--- a/slides/files.pptx
+++ b/slides/files.pptx
@@ -5,10 +5,10 @@
     <p:sldMasterId id="2147483672" r:id="rId1"/>
   </p:sldMasterIdLst>
   <p:notesMasterIdLst>
-    <p:notesMasterId r:id="rId10"/>
+    <p:notesMasterId r:id="rId12"/>
   </p:notesMasterIdLst>
   <p:handoutMasterIdLst>
-    <p:handoutMasterId r:id="rId11"/>
+    <p:handoutMasterId r:id="rId13"/>
   </p:handoutMasterIdLst>
   <p:sldIdLst>
     <p:sldId id="256" r:id="rId2"/>
@@ -19,6 +19,8 @@
     <p:sldId id="261" r:id="rId7"/>
     <p:sldId id="262" r:id="rId8"/>
     <p:sldId id="263" r:id="rId9"/>
+    <p:sldId id="264" r:id="rId10"/>
+    <p:sldId id="265" r:id="rId11"/>
   </p:sldIdLst>
   <p:sldSz cx="12192000" cy="6858000"/>
   <p:notesSz cx="9144000" cy="6858000"/>
@@ -4060,6 +4062,261 @@
 </p:sld>
 </file>
 
+<file path=ppt/slides/slide10.xml><?xml version="1.0" encoding="utf-8"?>
+<p:sld xmlns:a="http://schemas.openxmlformats.org/drawingml/2006/main" xmlns:r="http://schemas.openxmlformats.org/officeDocument/2006/relationships" xmlns:p="http://schemas.openxmlformats.org/presentationml/2006/main">
+  <p:cSld>
+    <p:spTree>
+      <p:nvGrpSpPr>
+        <p:cNvPr id="1" name=""/>
+        <p:cNvGrpSpPr/>
+        <p:nvPr/>
+      </p:nvGrpSpPr>
+      <p:grpSpPr>
+        <a:xfrm>
+          <a:off x="0" y="0"/>
+          <a:ext cx="0" cy="0"/>
+          <a:chOff x="0" y="0"/>
+          <a:chExt cx="0" cy="0"/>
+        </a:xfrm>
+      </p:grpSpPr>
+      <p:sp>
+        <p:nvSpPr>
+          <p:cNvPr id="2" name="Title 1">
+            <a:extLst>
+              <a:ext uri="{FF2B5EF4-FFF2-40B4-BE49-F238E27FC236}">
+                <a16:creationId xmlns:a16="http://schemas.microsoft.com/office/drawing/2014/main" id="{111F4C68-5F59-984B-87E9-35484E977BEE}"/>
+              </a:ext>
+            </a:extLst>
+          </p:cNvPr>
+          <p:cNvSpPr>
+            <a:spLocks noGrp="1"/>
+          </p:cNvSpPr>
+          <p:nvPr>
+            <p:ph type="title"/>
+          </p:nvPr>
+        </p:nvSpPr>
+        <p:spPr/>
+        <p:txBody>
+          <a:bodyPr/>
+          <a:lstStyle/>
+          <a:p>
+            <a:r>
+              <a:rPr lang="en-US" dirty="0"/>
+              <a:t>Pattern: Save strings into a text file</a:t>
+            </a:r>
+          </a:p>
+        </p:txBody>
+      </p:sp>
+      <p:sp>
+        <p:nvSpPr>
+          <p:cNvPr id="3" name="Content Placeholder 2">
+            <a:extLst>
+              <a:ext uri="{FF2B5EF4-FFF2-40B4-BE49-F238E27FC236}">
+                <a16:creationId xmlns:a16="http://schemas.microsoft.com/office/drawing/2014/main" id="{C0BEA856-123F-BD48-929A-8D82B33D052C}"/>
+              </a:ext>
+            </a:extLst>
+          </p:cNvPr>
+          <p:cNvSpPr>
+            <a:spLocks noGrp="1"/>
+          </p:cNvSpPr>
+          <p:nvPr>
+            <p:ph idx="1"/>
+          </p:nvPr>
+        </p:nvSpPr>
+        <p:spPr/>
+        <p:txBody>
+          <a:bodyPr/>
+          <a:lstStyle/>
+          <a:p>
+            <a:r>
+              <a:rPr lang="en-US" dirty="0"/>
+              <a:t>(The way we encode strings for storage in a file is a complication we can ignore until MSDS692)</a:t>
+            </a:r>
+          </a:p>
+          <a:p>
+            <a:r>
+              <a:rPr lang="en-US" dirty="0"/>
+              <a:t>Save a few lines representing a CSV file to /</a:t>
+            </a:r>
+            <a:r>
+              <a:rPr lang="en-US" dirty="0" err="1"/>
+              <a:t>tmp</a:t>
+            </a:r>
+            <a:r>
+              <a:rPr lang="en-US" dirty="0"/>
+              <a:t> </a:t>
+            </a:r>
+            <a:r>
+              <a:rPr lang="en-US" dirty="0" err="1"/>
+              <a:t>dir</a:t>
+            </a:r>
+            <a:endParaRPr lang="en-US" dirty="0"/>
+          </a:p>
+          <a:p>
+            <a:endParaRPr lang="en-US" dirty="0"/>
+          </a:p>
+        </p:txBody>
+      </p:sp>
+      <p:pic>
+        <p:nvPicPr>
+          <p:cNvPr id="5" name="Picture 4">
+            <a:extLst>
+              <a:ext uri="{FF2B5EF4-FFF2-40B4-BE49-F238E27FC236}">
+                <a16:creationId xmlns:a16="http://schemas.microsoft.com/office/drawing/2014/main" id="{6DE14618-E103-B043-A0FD-59F3CD9247EE}"/>
+              </a:ext>
+            </a:extLst>
+          </p:cNvPr>
+          <p:cNvPicPr>
+            <a:picLocks noChangeAspect="1"/>
+          </p:cNvPicPr>
+          <p:nvPr/>
+        </p:nvPicPr>
+        <p:blipFill>
+          <a:blip r:embed="rId2"/>
+          <a:stretch>
+            <a:fillRect/>
+          </a:stretch>
+        </p:blipFill>
+        <p:spPr>
+          <a:xfrm>
+            <a:off x="7021444" y="3367708"/>
+            <a:ext cx="3273285" cy="1542221"/>
+          </a:xfrm>
+          <a:prstGeom prst="rect">
+            <a:avLst/>
+          </a:prstGeom>
+        </p:spPr>
+      </p:pic>
+      <p:pic>
+        <p:nvPicPr>
+          <p:cNvPr id="7" name="Picture 6">
+            <a:extLst>
+              <a:ext uri="{FF2B5EF4-FFF2-40B4-BE49-F238E27FC236}">
+                <a16:creationId xmlns:a16="http://schemas.microsoft.com/office/drawing/2014/main" id="{86CAEADB-D0A0-084A-8596-6361D2A0C1B6}"/>
+              </a:ext>
+            </a:extLst>
+          </p:cNvPr>
+          <p:cNvPicPr>
+            <a:picLocks noChangeAspect="1"/>
+          </p:cNvPicPr>
+          <p:nvPr/>
+        </p:nvPicPr>
+        <p:blipFill>
+          <a:blip r:embed="rId3"/>
+          <a:stretch>
+            <a:fillRect/>
+          </a:stretch>
+        </p:blipFill>
+        <p:spPr>
+          <a:xfrm>
+            <a:off x="1149626" y="3273839"/>
+            <a:ext cx="5181600" cy="1968500"/>
+          </a:xfrm>
+          <a:prstGeom prst="rect">
+            <a:avLst/>
+          </a:prstGeom>
+        </p:spPr>
+      </p:pic>
+      <p:sp>
+        <p:nvSpPr>
+          <p:cNvPr id="8" name="TextBox 7">
+            <a:extLst>
+              <a:ext uri="{FF2B5EF4-FFF2-40B4-BE49-F238E27FC236}">
+                <a16:creationId xmlns:a16="http://schemas.microsoft.com/office/drawing/2014/main" id="{07067C12-F188-604A-9A11-D579146902C4}"/>
+              </a:ext>
+            </a:extLst>
+          </p:cNvPr>
+          <p:cNvSpPr txBox="1"/>
+          <p:nvPr/>
+        </p:nvSpPr>
+        <p:spPr>
+          <a:xfrm>
+            <a:off x="1063487" y="5807631"/>
+            <a:ext cx="6410729" cy="400110"/>
+          </a:xfrm>
+          <a:prstGeom prst="rect">
+            <a:avLst/>
+          </a:prstGeom>
+          <a:noFill/>
+        </p:spPr>
+        <p:txBody>
+          <a:bodyPr wrap="none" rtlCol="0">
+            <a:spAutoFit/>
+          </a:bodyPr>
+          <a:lstStyle/>
+          <a:p>
+            <a:r>
+              <a:rPr lang="en-US" sz="2000" dirty="0"/>
+              <a:t>The \n sequence represents a single newline character</a:t>
+            </a:r>
+          </a:p>
+        </p:txBody>
+      </p:sp>
+      <p:sp>
+        <p:nvSpPr>
+          <p:cNvPr id="9" name="Rectangle 8">
+            <a:extLst>
+              <a:ext uri="{FF2B5EF4-FFF2-40B4-BE49-F238E27FC236}">
+                <a16:creationId xmlns:a16="http://schemas.microsoft.com/office/drawing/2014/main" id="{63741B48-083F-1E46-9EDC-65CD2CE87AA5}"/>
+              </a:ext>
+            </a:extLst>
+          </p:cNvPr>
+          <p:cNvSpPr/>
+          <p:nvPr/>
+        </p:nvSpPr>
+        <p:spPr>
+          <a:xfrm>
+            <a:off x="4939748" y="3687417"/>
+            <a:ext cx="447261" cy="313877"/>
+          </a:xfrm>
+          <a:prstGeom prst="rect">
+            <a:avLst/>
+          </a:prstGeom>
+          <a:noFill/>
+          <a:ln w="25400">
+            <a:solidFill>
+              <a:srgbClr val="E4754F"/>
+            </a:solidFill>
+          </a:ln>
+        </p:spPr>
+        <p:style>
+          <a:lnRef idx="2">
+            <a:schemeClr val="accent1">
+              <a:shade val="50000"/>
+            </a:schemeClr>
+          </a:lnRef>
+          <a:fillRef idx="1">
+            <a:schemeClr val="accent1"/>
+          </a:fillRef>
+          <a:effectRef idx="0">
+            <a:schemeClr val="accent1"/>
+          </a:effectRef>
+          <a:fontRef idx="minor">
+            <a:schemeClr val="lt1"/>
+          </a:fontRef>
+        </p:style>
+        <p:txBody>
+          <a:bodyPr rtlCol="0" anchor="ctr"/>
+          <a:lstStyle/>
+          <a:p>
+            <a:pPr algn="ctr"/>
+            <a:endParaRPr lang="en-US"/>
+          </a:p>
+        </p:txBody>
+      </p:sp>
+    </p:spTree>
+    <p:extLst>
+      <p:ext uri="{BB962C8B-B14F-4D97-AF65-F5344CB8AC3E}">
+        <p14:creationId xmlns:p14="http://schemas.microsoft.com/office/powerpoint/2010/main" val="1842340456"/>
+      </p:ext>
+    </p:extLst>
+  </p:cSld>
+  <p:clrMapOvr>
+    <a:masterClrMapping/>
+  </p:clrMapOvr>
+</p:sld>
+</file>
+
 <file path=ppt/slides/slide2.xml><?xml version="1.0" encoding="utf-8"?>
 <p:sld xmlns:a="http://schemas.openxmlformats.org/drawingml/2006/main" xmlns:r="http://schemas.openxmlformats.org/officeDocument/2006/relationships" xmlns:p="http://schemas.openxmlformats.org/presentationml/2006/main">
   <p:cSld>
@@ -4260,7 +4517,7 @@
           <a:p>
             <a:r>
               <a:rPr lang="en-US" dirty="0"/>
-              <a:t>Files are opened for reading or writing</a:t>
+              <a:t>Files are opened for reading or for writing</a:t>
             </a:r>
           </a:p>
           <a:p>
@@ -4567,10 +4824,10 @@
       </p:sp>
       <p:pic>
         <p:nvPicPr>
-          <p:cNvPr id="5" name="Picture 4" descr="Graphical user interface, text, application&#10;&#10;Description automatically generated">
-            <a:extLst>
-              <a:ext uri="{FF2B5EF4-FFF2-40B4-BE49-F238E27FC236}">
-                <a16:creationId xmlns:a16="http://schemas.microsoft.com/office/drawing/2014/main" id="{C23CED53-E450-904F-8C60-A5E292BC20AE}"/>
+          <p:cNvPr id="7" name="Picture 6" descr="Text&#10;&#10;Description automatically generated">
+            <a:extLst>
+              <a:ext uri="{FF2B5EF4-FFF2-40B4-BE49-F238E27FC236}">
+                <a16:creationId xmlns:a16="http://schemas.microsoft.com/office/drawing/2014/main" id="{55F9E1D1-48DD-F14D-82C2-99D38C69721D}"/>
               </a:ext>
             </a:extLst>
           </p:cNvPr>
@@ -4587,8 +4844,8 @@
         </p:blipFill>
         <p:spPr>
           <a:xfrm>
-            <a:off x="1123950" y="2570371"/>
-            <a:ext cx="3543300" cy="2133600"/>
+            <a:off x="6096000" y="2600188"/>
+            <a:ext cx="4889500" cy="2413000"/>
           </a:xfrm>
           <a:prstGeom prst="rect">
             <a:avLst/>
@@ -4597,10 +4854,10 @@
       </p:pic>
       <p:pic>
         <p:nvPicPr>
-          <p:cNvPr id="7" name="Picture 6" descr="Text&#10;&#10;Description automatically generated">
-            <a:extLst>
-              <a:ext uri="{FF2B5EF4-FFF2-40B4-BE49-F238E27FC236}">
-                <a16:creationId xmlns:a16="http://schemas.microsoft.com/office/drawing/2014/main" id="{55F9E1D1-48DD-F14D-82C2-99D38C69721D}"/>
+          <p:cNvPr id="6" name="Picture 5">
+            <a:extLst>
+              <a:ext uri="{FF2B5EF4-FFF2-40B4-BE49-F238E27FC236}">
+                <a16:creationId xmlns:a16="http://schemas.microsoft.com/office/drawing/2014/main" id="{860F54FC-AEC8-EE47-A7BD-B9BAF27D4E4C}"/>
               </a:ext>
             </a:extLst>
           </p:cNvPr>
@@ -4617,8 +4874,8 @@
         </p:blipFill>
         <p:spPr>
           <a:xfrm>
-            <a:off x="6096000" y="2600188"/>
-            <a:ext cx="4889500" cy="2413000"/>
+            <a:off x="1206500" y="2630005"/>
+            <a:ext cx="3263900" cy="1727200"/>
           </a:xfrm>
           <a:prstGeom prst="rect">
             <a:avLst/>
@@ -5091,10 +5348,168 @@
           </a:prstGeom>
         </p:spPr>
       </p:pic>
+      <p:pic>
+        <p:nvPicPr>
+          <p:cNvPr id="4" name="Picture 3">
+            <a:extLst>
+              <a:ext uri="{FF2B5EF4-FFF2-40B4-BE49-F238E27FC236}">
+                <a16:creationId xmlns:a16="http://schemas.microsoft.com/office/drawing/2014/main" id="{B88C27B3-A68E-994D-99B2-63FC587F2C9C}"/>
+              </a:ext>
+            </a:extLst>
+          </p:cNvPr>
+          <p:cNvPicPr>
+            <a:picLocks noChangeAspect="1"/>
+          </p:cNvPicPr>
+          <p:nvPr/>
+        </p:nvPicPr>
+        <p:blipFill>
+          <a:blip r:embed="rId3"/>
+          <a:stretch>
+            <a:fillRect/>
+          </a:stretch>
+        </p:blipFill>
+        <p:spPr>
+          <a:xfrm>
+            <a:off x="6427068" y="3824079"/>
+            <a:ext cx="5213034" cy="2005013"/>
+          </a:xfrm>
+          <a:prstGeom prst="rect">
+            <a:avLst/>
+          </a:prstGeom>
+        </p:spPr>
+      </p:pic>
     </p:spTree>
     <p:extLst>
       <p:ext uri="{BB962C8B-B14F-4D97-AF65-F5344CB8AC3E}">
         <p14:creationId xmlns:p14="http://schemas.microsoft.com/office/powerpoint/2010/main" val="1607665158"/>
+      </p:ext>
+    </p:extLst>
+  </p:cSld>
+  <p:clrMapOvr>
+    <a:masterClrMapping/>
+  </p:clrMapOvr>
+</p:sld>
+</file>
+
+<file path=ppt/slides/slide9.xml><?xml version="1.0" encoding="utf-8"?>
+<p:sld xmlns:a="http://schemas.openxmlformats.org/drawingml/2006/main" xmlns:r="http://schemas.openxmlformats.org/officeDocument/2006/relationships" xmlns:p="http://schemas.openxmlformats.org/presentationml/2006/main">
+  <p:cSld>
+    <p:spTree>
+      <p:nvGrpSpPr>
+        <p:cNvPr id="1" name=""/>
+        <p:cNvGrpSpPr/>
+        <p:nvPr/>
+      </p:nvGrpSpPr>
+      <p:grpSpPr>
+        <a:xfrm>
+          <a:off x="0" y="0"/>
+          <a:ext cx="0" cy="0"/>
+          <a:chOff x="0" y="0"/>
+          <a:chExt cx="0" cy="0"/>
+        </a:xfrm>
+      </p:grpSpPr>
+      <p:sp>
+        <p:nvSpPr>
+          <p:cNvPr id="2" name="Title 1">
+            <a:extLst>
+              <a:ext uri="{FF2B5EF4-FFF2-40B4-BE49-F238E27FC236}">
+                <a16:creationId xmlns:a16="http://schemas.microsoft.com/office/drawing/2014/main" id="{0678CFC9-2394-E745-B5B8-06320645E859}"/>
+              </a:ext>
+            </a:extLst>
+          </p:cNvPr>
+          <p:cNvSpPr>
+            <a:spLocks noGrp="1"/>
+          </p:cNvSpPr>
+          <p:nvPr>
+            <p:ph type="title"/>
+          </p:nvPr>
+        </p:nvSpPr>
+        <p:spPr/>
+        <p:txBody>
+          <a:bodyPr/>
+          <a:lstStyle/>
+          <a:p>
+            <a:r>
+              <a:rPr lang="en-US" dirty="0"/>
+              <a:t>Processing files line by line</a:t>
+            </a:r>
+          </a:p>
+        </p:txBody>
+      </p:sp>
+      <p:sp>
+        <p:nvSpPr>
+          <p:cNvPr id="3" name="Content Placeholder 2">
+            <a:extLst>
+              <a:ext uri="{FF2B5EF4-FFF2-40B4-BE49-F238E27FC236}">
+                <a16:creationId xmlns:a16="http://schemas.microsoft.com/office/drawing/2014/main" id="{1D0B7302-AC91-1D4F-918D-E38FBDF1A0F7}"/>
+              </a:ext>
+            </a:extLst>
+          </p:cNvPr>
+          <p:cNvSpPr>
+            <a:spLocks noGrp="1"/>
+          </p:cNvSpPr>
+          <p:nvPr>
+            <p:ph idx="1"/>
+          </p:nvPr>
+        </p:nvSpPr>
+        <p:spPr/>
+        <p:txBody>
+          <a:bodyPr/>
+          <a:lstStyle/>
+          <a:p>
+            <a:r>
+              <a:rPr lang="en-US" dirty="0"/>
+              <a:t>Loading everything into memory all at once doesn't work if a file is bigger than available RAM</a:t>
+            </a:r>
+          </a:p>
+          <a:p>
+            <a:r>
+              <a:rPr lang="en-US" dirty="0"/>
+              <a:t>That limits the size of the data we can process with that method</a:t>
+            </a:r>
+          </a:p>
+          <a:p>
+            <a:r>
+              <a:rPr lang="en-US" dirty="0"/>
+              <a:t>We can use a for-each loop on the file descriptor</a:t>
+            </a:r>
+          </a:p>
+        </p:txBody>
+      </p:sp>
+      <p:pic>
+        <p:nvPicPr>
+          <p:cNvPr id="5" name="Picture 4">
+            <a:extLst>
+              <a:ext uri="{FF2B5EF4-FFF2-40B4-BE49-F238E27FC236}">
+                <a16:creationId xmlns:a16="http://schemas.microsoft.com/office/drawing/2014/main" id="{65D0767B-7AD9-6346-BD0D-02900BB76A78}"/>
+              </a:ext>
+            </a:extLst>
+          </p:cNvPr>
+          <p:cNvPicPr>
+            <a:picLocks noChangeAspect="1"/>
+          </p:cNvPicPr>
+          <p:nvPr/>
+        </p:nvPicPr>
+        <p:blipFill>
+          <a:blip r:embed="rId2"/>
+          <a:stretch>
+            <a:fillRect/>
+          </a:stretch>
+        </p:blipFill>
+        <p:spPr>
+          <a:xfrm>
+            <a:off x="2197100" y="3776663"/>
+            <a:ext cx="7797800" cy="2400300"/>
+          </a:xfrm>
+          <a:prstGeom prst="rect">
+            <a:avLst/>
+          </a:prstGeom>
+        </p:spPr>
+      </p:pic>
+    </p:spTree>
+    <p:extLst>
+      <p:ext uri="{BB962C8B-B14F-4D97-AF65-F5344CB8AC3E}">
+        <p14:creationId xmlns:p14="http://schemas.microsoft.com/office/powerpoint/2010/main" val="1212234166"/>
       </p:ext>
     </p:extLst>
   </p:cSld>

--- a/slides/files.pptx
+++ b/slides/files.pptx
@@ -215,7 +215,7 @@
           <a:p>
             <a:fld id="{8A1B613A-EFF1-404F-BEE8-EFAE84A4E5E2}" type="datetimeFigureOut">
               <a:rPr lang="en-US" smtClean="0"/>
-              <a:t>6/15/21</a:t>
+              <a:t>6/21/21</a:t>
             </a:fld>
             <a:endParaRPr lang="en-US"/>
           </a:p>
@@ -380,7 +380,7 @@
           <a:p>
             <a:fld id="{690847EA-AC25-3D4E-89E1-FD3F6A9702B6}" type="datetimeFigureOut">
               <a:rPr lang="en-US" smtClean="0"/>
-              <a:t>6/15/21</a:t>
+              <a:t>6/21/21</a:t>
             </a:fld>
             <a:endParaRPr lang="en-US"/>
           </a:p>
@@ -794,7 +794,7 @@
           <a:p>
             <a:fld id="{BE5295ED-3BAF-1140-8495-3D368771D6B1}" type="datetimeFigureOut">
               <a:rPr lang="en-US" smtClean="0"/>
-              <a:t>6/15/21</a:t>
+              <a:t>6/21/21</a:t>
             </a:fld>
             <a:endParaRPr lang="en-US"/>
           </a:p>
@@ -992,7 +992,7 @@
           <a:p>
             <a:fld id="{BE5295ED-3BAF-1140-8495-3D368771D6B1}" type="datetimeFigureOut">
               <a:rPr lang="en-US" smtClean="0"/>
-              <a:t>6/15/21</a:t>
+              <a:t>6/21/21</a:t>
             </a:fld>
             <a:endParaRPr lang="en-US"/>
           </a:p>
@@ -1200,7 +1200,7 @@
           <a:p>
             <a:fld id="{BE5295ED-3BAF-1140-8495-3D368771D6B1}" type="datetimeFigureOut">
               <a:rPr lang="en-US" smtClean="0"/>
-              <a:t>6/15/21</a:t>
+              <a:t>6/21/21</a:t>
             </a:fld>
             <a:endParaRPr lang="en-US"/>
           </a:p>
@@ -1398,7 +1398,7 @@
           <a:p>
             <a:fld id="{BE5295ED-3BAF-1140-8495-3D368771D6B1}" type="datetimeFigureOut">
               <a:rPr lang="en-US" smtClean="0"/>
-              <a:t>6/15/21</a:t>
+              <a:t>6/21/21</a:t>
             </a:fld>
             <a:endParaRPr lang="en-US"/>
           </a:p>
@@ -1673,7 +1673,7 @@
           <a:p>
             <a:fld id="{BE5295ED-3BAF-1140-8495-3D368771D6B1}" type="datetimeFigureOut">
               <a:rPr lang="en-US" smtClean="0"/>
-              <a:t>6/15/21</a:t>
+              <a:t>6/21/21</a:t>
             </a:fld>
             <a:endParaRPr lang="en-US"/>
           </a:p>
@@ -1938,7 +1938,7 @@
           <a:p>
             <a:fld id="{BE5295ED-3BAF-1140-8495-3D368771D6B1}" type="datetimeFigureOut">
               <a:rPr lang="en-US" smtClean="0"/>
-              <a:t>6/15/21</a:t>
+              <a:t>6/21/21</a:t>
             </a:fld>
             <a:endParaRPr lang="en-US"/>
           </a:p>
@@ -2350,7 +2350,7 @@
           <a:p>
             <a:fld id="{BE5295ED-3BAF-1140-8495-3D368771D6B1}" type="datetimeFigureOut">
               <a:rPr lang="en-US" smtClean="0"/>
-              <a:t>6/15/21</a:t>
+              <a:t>6/21/21</a:t>
             </a:fld>
             <a:endParaRPr lang="en-US"/>
           </a:p>
@@ -2491,7 +2491,7 @@
           <a:p>
             <a:fld id="{BE5295ED-3BAF-1140-8495-3D368771D6B1}" type="datetimeFigureOut">
               <a:rPr lang="en-US" smtClean="0"/>
-              <a:t>6/15/21</a:t>
+              <a:t>6/21/21</a:t>
             </a:fld>
             <a:endParaRPr lang="en-US"/>
           </a:p>
@@ -2604,7 +2604,7 @@
           <a:p>
             <a:fld id="{BE5295ED-3BAF-1140-8495-3D368771D6B1}" type="datetimeFigureOut">
               <a:rPr lang="en-US" smtClean="0"/>
-              <a:t>6/15/21</a:t>
+              <a:t>6/21/21</a:t>
             </a:fld>
             <a:endParaRPr lang="en-US"/>
           </a:p>
@@ -2915,7 +2915,7 @@
           <a:p>
             <a:fld id="{BE5295ED-3BAF-1140-8495-3D368771D6B1}" type="datetimeFigureOut">
               <a:rPr lang="en-US" smtClean="0"/>
-              <a:t>6/15/21</a:t>
+              <a:t>6/21/21</a:t>
             </a:fld>
             <a:endParaRPr lang="en-US"/>
           </a:p>
@@ -3206,7 +3206,7 @@
           <a:p>
             <a:fld id="{BE5295ED-3BAF-1140-8495-3D368771D6B1}" type="datetimeFigureOut">
               <a:rPr lang="en-US" smtClean="0"/>
-              <a:t>6/15/21</a:t>
+              <a:t>6/21/21</a:t>
             </a:fld>
             <a:endParaRPr lang="en-US"/>
           </a:p>
@@ -3447,7 +3447,7 @@
           <a:p>
             <a:fld id="{BE5295ED-3BAF-1140-8495-3D368771D6B1}" type="datetimeFigureOut">
               <a:rPr lang="en-US" smtClean="0"/>
-              <a:t>6/15/21</a:t>
+              <a:t>6/21/21</a:t>
             </a:fld>
             <a:endParaRPr lang="en-US"/>
           </a:p>
@@ -4378,7 +4378,12 @@
             <p:ph idx="1"/>
           </p:nvPr>
         </p:nvSpPr>
-        <p:spPr/>
+        <p:spPr>
+          <a:xfrm>
+            <a:off x="838200" y="1690688"/>
+            <a:ext cx="10889974" cy="4486275"/>
+          </a:xfrm>
+        </p:spPr>
         <p:txBody>
           <a:bodyPr>
             <a:normAutofit lnSpcReduction="10000"/>
@@ -4393,13 +4398,13 @@
           <a:p>
             <a:r>
               <a:rPr lang="en-US" dirty="0"/>
-              <a:t>RAM is much faster (but smaller) than the disk but RAM data disappears when the power goes out</a:t>
+              <a:t>RAM is much faster (but smaller) than the disk and RAM data disappears when the power goes out</a:t>
             </a:r>
           </a:p>
           <a:p>
             <a:r>
               <a:rPr lang="en-US" dirty="0"/>
-              <a:t>Disks, in contrast, are persistent. </a:t>
+              <a:t>Disks, in contrast, are persistent / non-volatile</a:t>
             </a:r>
           </a:p>
           <a:p>
@@ -4413,19 +4418,19 @@
             </a:r>
             <a:r>
               <a:rPr lang="en-US" dirty="0"/>
-              <a:t> is simply a chunk of data on the disk identified by a filename</a:t>
+              <a:t> is simply a chunk of data on the disk identified by a filename and living within a specific directory</a:t>
             </a:r>
           </a:p>
           <a:p>
             <a:r>
               <a:rPr lang="en-US" dirty="0"/>
-              <a:t>File data is less convenient to access because we have to explicitly load the file into working memory first</a:t>
+              <a:t>File data is less convenient to access because we have to explicitly load the file into working memory before operating on it</a:t>
             </a:r>
           </a:p>
           <a:p>
             <a:r>
               <a:rPr lang="en-US" dirty="0"/>
-              <a:t>If a file is too big to fit into memory all at once, we have to process the data in chunks</a:t>
+              <a:t>If a file is too big to fit into memory all at once, we have to process the data in chunks, typically line by line if text format data</a:t>
             </a:r>
           </a:p>
         </p:txBody>
@@ -4708,13 +4713,19 @@
           <a:p>
             <a:r>
               <a:rPr lang="en-US" dirty="0"/>
-              <a:t>The filename is a string that identifies a file on the disk. It can be fully qualified or relative to the current working directory</a:t>
+              <a:t>The filename is a string that identifies a file on the disk. It can  include path information or can be just the name of the file itself</a:t>
             </a:r>
           </a:p>
           <a:p>
             <a:r>
               <a:rPr lang="en-US" dirty="0"/>
-              <a:t>The file object is not the filename and is also not the file itself on the disk. It's really just a descriptor and refers to the file content</a:t>
+              <a:t>The path can be fully qualified or relative to the current working directory</a:t>
+            </a:r>
+          </a:p>
+          <a:p>
+            <a:r>
+              <a:rPr lang="en-US" dirty="0"/>
+              <a:t>The file descriptor object is not the filename and is also not the file contents itself on the disk. It's really just a descriptor that lets our program refer to and operate on the file</a:t>
             </a:r>
           </a:p>
           <a:p>
@@ -4817,7 +4828,7 @@
             </a:r>
             <a:r>
               <a:rPr lang="en-US" dirty="0"/>
-              <a:t> statement helps us to automatically closing files</a:t>
+              <a:t> statement helps us to automatically close files</a:t>
             </a:r>
           </a:p>
         </p:txBody>
@@ -5313,7 +5324,7 @@
           <a:p>
             <a:r>
               <a:rPr lang="en-US" dirty="0"/>
-              <a:t>If the text file is also a comma separated value file (CSV), the easiest way to load the data is with Pandas</a:t>
+              <a:t>If the text file is a comma separated value file (CSV), the easiest way to load the data is with Pandas</a:t>
             </a:r>
           </a:p>
         </p:txBody>
@@ -5452,7 +5463,12 @@
             <p:ph idx="1"/>
           </p:nvPr>
         </p:nvSpPr>
-        <p:spPr/>
+        <p:spPr>
+          <a:xfrm>
+            <a:off x="838199" y="1825625"/>
+            <a:ext cx="10969488" cy="4351338"/>
+          </a:xfrm>
+        </p:spPr>
         <p:txBody>
           <a:bodyPr/>
           <a:lstStyle/>
@@ -5471,7 +5487,7 @@
           <a:p>
             <a:r>
               <a:rPr lang="en-US" dirty="0"/>
-              <a:t>We can use a for-each loop on the file descriptor</a:t>
+              <a:t>Instead, we can use a for-each loop iterating on the file descriptor:</a:t>
             </a:r>
           </a:p>
         </p:txBody>

--- a/slides/files.pptx
+++ b/slides/files.pptx
@@ -5,10 +5,10 @@
     <p:sldMasterId id="2147483672" r:id="rId1"/>
   </p:sldMasterIdLst>
   <p:notesMasterIdLst>
-    <p:notesMasterId r:id="rId12"/>
+    <p:notesMasterId r:id="rId13"/>
   </p:notesMasterIdLst>
   <p:handoutMasterIdLst>
-    <p:handoutMasterId r:id="rId13"/>
+    <p:handoutMasterId r:id="rId14"/>
   </p:handoutMasterIdLst>
   <p:sldIdLst>
     <p:sldId id="256" r:id="rId2"/>
@@ -18,9 +18,10 @@
     <p:sldId id="260" r:id="rId6"/>
     <p:sldId id="261" r:id="rId7"/>
     <p:sldId id="262" r:id="rId8"/>
-    <p:sldId id="263" r:id="rId9"/>
-    <p:sldId id="264" r:id="rId10"/>
-    <p:sldId id="265" r:id="rId11"/>
+    <p:sldId id="264" r:id="rId9"/>
+    <p:sldId id="266" r:id="rId10"/>
+    <p:sldId id="263" r:id="rId11"/>
+    <p:sldId id="265" r:id="rId12"/>
   </p:sldIdLst>
   <p:sldSz cx="12192000" cy="6858000"/>
   <p:notesSz cx="9144000" cy="6858000"/>
@@ -215,7 +216,7 @@
           <a:p>
             <a:fld id="{8A1B613A-EFF1-404F-BEE8-EFAE84A4E5E2}" type="datetimeFigureOut">
               <a:rPr lang="en-US" smtClean="0"/>
-              <a:t>6/21/21</a:t>
+              <a:t>7/25/21</a:t>
             </a:fld>
             <a:endParaRPr lang="en-US"/>
           </a:p>
@@ -380,7 +381,7 @@
           <a:p>
             <a:fld id="{690847EA-AC25-3D4E-89E1-FD3F6A9702B6}" type="datetimeFigureOut">
               <a:rPr lang="en-US" smtClean="0"/>
-              <a:t>6/21/21</a:t>
+              <a:t>7/25/21</a:t>
             </a:fld>
             <a:endParaRPr lang="en-US"/>
           </a:p>
@@ -794,7 +795,7 @@
           <a:p>
             <a:fld id="{BE5295ED-3BAF-1140-8495-3D368771D6B1}" type="datetimeFigureOut">
               <a:rPr lang="en-US" smtClean="0"/>
-              <a:t>6/21/21</a:t>
+              <a:t>7/25/21</a:t>
             </a:fld>
             <a:endParaRPr lang="en-US"/>
           </a:p>
@@ -992,7 +993,7 @@
           <a:p>
             <a:fld id="{BE5295ED-3BAF-1140-8495-3D368771D6B1}" type="datetimeFigureOut">
               <a:rPr lang="en-US" smtClean="0"/>
-              <a:t>6/21/21</a:t>
+              <a:t>7/25/21</a:t>
             </a:fld>
             <a:endParaRPr lang="en-US"/>
           </a:p>
@@ -1200,7 +1201,7 @@
           <a:p>
             <a:fld id="{BE5295ED-3BAF-1140-8495-3D368771D6B1}" type="datetimeFigureOut">
               <a:rPr lang="en-US" smtClean="0"/>
-              <a:t>6/21/21</a:t>
+              <a:t>7/25/21</a:t>
             </a:fld>
             <a:endParaRPr lang="en-US"/>
           </a:p>
@@ -1398,7 +1399,7 @@
           <a:p>
             <a:fld id="{BE5295ED-3BAF-1140-8495-3D368771D6B1}" type="datetimeFigureOut">
               <a:rPr lang="en-US" smtClean="0"/>
-              <a:t>6/21/21</a:t>
+              <a:t>7/25/21</a:t>
             </a:fld>
             <a:endParaRPr lang="en-US"/>
           </a:p>
@@ -1673,7 +1674,7 @@
           <a:p>
             <a:fld id="{BE5295ED-3BAF-1140-8495-3D368771D6B1}" type="datetimeFigureOut">
               <a:rPr lang="en-US" smtClean="0"/>
-              <a:t>6/21/21</a:t>
+              <a:t>7/25/21</a:t>
             </a:fld>
             <a:endParaRPr lang="en-US"/>
           </a:p>
@@ -1938,7 +1939,7 @@
           <a:p>
             <a:fld id="{BE5295ED-3BAF-1140-8495-3D368771D6B1}" type="datetimeFigureOut">
               <a:rPr lang="en-US" smtClean="0"/>
-              <a:t>6/21/21</a:t>
+              <a:t>7/25/21</a:t>
             </a:fld>
             <a:endParaRPr lang="en-US"/>
           </a:p>
@@ -2350,7 +2351,7 @@
           <a:p>
             <a:fld id="{BE5295ED-3BAF-1140-8495-3D368771D6B1}" type="datetimeFigureOut">
               <a:rPr lang="en-US" smtClean="0"/>
-              <a:t>6/21/21</a:t>
+              <a:t>7/25/21</a:t>
             </a:fld>
             <a:endParaRPr lang="en-US"/>
           </a:p>
@@ -2491,7 +2492,7 @@
           <a:p>
             <a:fld id="{BE5295ED-3BAF-1140-8495-3D368771D6B1}" type="datetimeFigureOut">
               <a:rPr lang="en-US" smtClean="0"/>
-              <a:t>6/21/21</a:t>
+              <a:t>7/25/21</a:t>
             </a:fld>
             <a:endParaRPr lang="en-US"/>
           </a:p>
@@ -2604,7 +2605,7 @@
           <a:p>
             <a:fld id="{BE5295ED-3BAF-1140-8495-3D368771D6B1}" type="datetimeFigureOut">
               <a:rPr lang="en-US" smtClean="0"/>
-              <a:t>6/21/21</a:t>
+              <a:t>7/25/21</a:t>
             </a:fld>
             <a:endParaRPr lang="en-US"/>
           </a:p>
@@ -2915,7 +2916,7 @@
           <a:p>
             <a:fld id="{BE5295ED-3BAF-1140-8495-3D368771D6B1}" type="datetimeFigureOut">
               <a:rPr lang="en-US" smtClean="0"/>
-              <a:t>6/21/21</a:t>
+              <a:t>7/25/21</a:t>
             </a:fld>
             <a:endParaRPr lang="en-US"/>
           </a:p>
@@ -3206,7 +3207,7 @@
           <a:p>
             <a:fld id="{BE5295ED-3BAF-1140-8495-3D368771D6B1}" type="datetimeFigureOut">
               <a:rPr lang="en-US" smtClean="0"/>
-              <a:t>6/21/21</a:t>
+              <a:t>7/25/21</a:t>
             </a:fld>
             <a:endParaRPr lang="en-US"/>
           </a:p>
@@ -3447,7 +3448,7 @@
           <a:p>
             <a:fld id="{BE5295ED-3BAF-1140-8495-3D368771D6B1}" type="datetimeFigureOut">
               <a:rPr lang="en-US" smtClean="0"/>
-              <a:t>6/21/21</a:t>
+              <a:t>7/25/21</a:t>
             </a:fld>
             <a:endParaRPr lang="en-US"/>
           </a:p>
@@ -4084,6 +4085,162 @@
           <p:cNvPr id="2" name="Title 1">
             <a:extLst>
               <a:ext uri="{FF2B5EF4-FFF2-40B4-BE49-F238E27FC236}">
+                <a16:creationId xmlns:a16="http://schemas.microsoft.com/office/drawing/2014/main" id="{97F38A77-3237-1143-B145-D6565167FEC0}"/>
+              </a:ext>
+            </a:extLst>
+          </p:cNvPr>
+          <p:cNvSpPr>
+            <a:spLocks noGrp="1"/>
+          </p:cNvSpPr>
+          <p:nvPr>
+            <p:ph type="title"/>
+          </p:nvPr>
+        </p:nvSpPr>
+        <p:spPr>
+          <a:xfrm>
+            <a:off x="838200" y="365125"/>
+            <a:ext cx="10515600" cy="947565"/>
+          </a:xfrm>
+        </p:spPr>
+        <p:txBody>
+          <a:bodyPr/>
+          <a:lstStyle/>
+          <a:p>
+            <a:r>
+              <a:rPr lang="en-US" dirty="0"/>
+              <a:t>Using Pandas to load CSV files</a:t>
+            </a:r>
+          </a:p>
+        </p:txBody>
+      </p:sp>
+      <p:sp>
+        <p:nvSpPr>
+          <p:cNvPr id="7" name="Content Placeholder 6">
+            <a:extLst>
+              <a:ext uri="{FF2B5EF4-FFF2-40B4-BE49-F238E27FC236}">
+                <a16:creationId xmlns:a16="http://schemas.microsoft.com/office/drawing/2014/main" id="{69AFF6C6-3862-0C4B-AC3B-46CFF230F377}"/>
+              </a:ext>
+            </a:extLst>
+          </p:cNvPr>
+          <p:cNvSpPr>
+            <a:spLocks noGrp="1"/>
+          </p:cNvSpPr>
+          <p:nvPr>
+            <p:ph idx="1"/>
+          </p:nvPr>
+        </p:nvSpPr>
+        <p:spPr>
+          <a:xfrm>
+            <a:off x="838200" y="1500809"/>
+            <a:ext cx="10515600" cy="4676154"/>
+          </a:xfrm>
+        </p:spPr>
+        <p:txBody>
+          <a:bodyPr/>
+          <a:lstStyle/>
+          <a:p>
+            <a:r>
+              <a:rPr lang="en-US" dirty="0"/>
+              <a:t>If the text file is a comma separated value file (CSV), the easiest way to load the data is with Pandas</a:t>
+            </a:r>
+          </a:p>
+        </p:txBody>
+      </p:sp>
+      <p:pic>
+        <p:nvPicPr>
+          <p:cNvPr id="8" name="Content Placeholder 4" descr="Table&#10;&#10;Description automatically generated">
+            <a:extLst>
+              <a:ext uri="{FF2B5EF4-FFF2-40B4-BE49-F238E27FC236}">
+                <a16:creationId xmlns:a16="http://schemas.microsoft.com/office/drawing/2014/main" id="{19645DCE-DE46-A14E-8E76-1CD9A7A42974}"/>
+              </a:ext>
+            </a:extLst>
+          </p:cNvPr>
+          <p:cNvPicPr>
+            <a:picLocks noChangeAspect="1"/>
+          </p:cNvPicPr>
+          <p:nvPr/>
+        </p:nvPicPr>
+        <p:blipFill>
+          <a:blip r:embed="rId2"/>
+          <a:stretch>
+            <a:fillRect/>
+          </a:stretch>
+        </p:blipFill>
+        <p:spPr>
+          <a:xfrm>
+            <a:off x="1124502" y="2389982"/>
+            <a:ext cx="6464300" cy="3975100"/>
+          </a:xfrm>
+          <a:prstGeom prst="rect">
+            <a:avLst/>
+          </a:prstGeom>
+        </p:spPr>
+      </p:pic>
+      <p:pic>
+        <p:nvPicPr>
+          <p:cNvPr id="4" name="Picture 3">
+            <a:extLst>
+              <a:ext uri="{FF2B5EF4-FFF2-40B4-BE49-F238E27FC236}">
+                <a16:creationId xmlns:a16="http://schemas.microsoft.com/office/drawing/2014/main" id="{B88C27B3-A68E-994D-99B2-63FC587F2C9C}"/>
+              </a:ext>
+            </a:extLst>
+          </p:cNvPr>
+          <p:cNvPicPr>
+            <a:picLocks noChangeAspect="1"/>
+          </p:cNvPicPr>
+          <p:nvPr/>
+        </p:nvPicPr>
+        <p:blipFill>
+          <a:blip r:embed="rId3"/>
+          <a:stretch>
+            <a:fillRect/>
+          </a:stretch>
+        </p:blipFill>
+        <p:spPr>
+          <a:xfrm>
+            <a:off x="6427068" y="3824079"/>
+            <a:ext cx="5213034" cy="2005013"/>
+          </a:xfrm>
+          <a:prstGeom prst="rect">
+            <a:avLst/>
+          </a:prstGeom>
+        </p:spPr>
+      </p:pic>
+    </p:spTree>
+    <p:extLst>
+      <p:ext uri="{BB962C8B-B14F-4D97-AF65-F5344CB8AC3E}">
+        <p14:creationId xmlns:p14="http://schemas.microsoft.com/office/powerpoint/2010/main" val="1607665158"/>
+      </p:ext>
+    </p:extLst>
+  </p:cSld>
+  <p:clrMapOvr>
+    <a:masterClrMapping/>
+  </p:clrMapOvr>
+</p:sld>
+</file>
+
+<file path=ppt/slides/slide11.xml><?xml version="1.0" encoding="utf-8"?>
+<p:sld xmlns:a="http://schemas.openxmlformats.org/drawingml/2006/main" xmlns:r="http://schemas.openxmlformats.org/officeDocument/2006/relationships" xmlns:p="http://schemas.openxmlformats.org/presentationml/2006/main">
+  <p:cSld>
+    <p:spTree>
+      <p:nvGrpSpPr>
+        <p:cNvPr id="1" name=""/>
+        <p:cNvGrpSpPr/>
+        <p:nvPr/>
+      </p:nvGrpSpPr>
+      <p:grpSpPr>
+        <a:xfrm>
+          <a:off x="0" y="0"/>
+          <a:ext cx="0" cy="0"/>
+          <a:chOff x="0" y="0"/>
+          <a:chExt cx="0" cy="0"/>
+        </a:xfrm>
+      </p:grpSpPr>
+      <p:sp>
+        <p:nvSpPr>
+          <p:cNvPr id="2" name="Title 1">
+            <a:extLst>
+              <a:ext uri="{FF2B5EF4-FFF2-40B4-BE49-F238E27FC236}">
                 <a16:creationId xmlns:a16="http://schemas.microsoft.com/office/drawing/2014/main" id="{111F4C68-5F59-984B-87E9-35484E977BEE}"/>
               </a:ext>
             </a:extLst>
@@ -4232,7 +4389,7 @@
         <p:spPr>
           <a:xfrm>
             <a:off x="1063487" y="5807631"/>
-            <a:ext cx="6410729" cy="400110"/>
+            <a:ext cx="7478329" cy="400110"/>
           </a:xfrm>
           <a:prstGeom prst="rect">
             <a:avLst/>
@@ -4246,8 +4403,16 @@
           <a:lstStyle/>
           <a:p>
             <a:r>
+              <a:rPr lang="en-US" sz="2000"/>
+              <a:t>The two-char </a:t>
+            </a:r>
+            <a:r>
+              <a:rPr lang="en-US" sz="2000" b="1" dirty="0"/>
+              <a:t>\n</a:t>
+            </a:r>
+            <a:r>
               <a:rPr lang="en-US" sz="2000" dirty="0"/>
-              <a:t>The \n sequence represents a single newline character</a:t>
+              <a:t> sequence represents a single newline character</a:t>
             </a:r>
           </a:p>
         </p:txBody>
@@ -4516,19 +4681,67 @@
           <a:p>
             <a:r>
               <a:rPr lang="en-US" dirty="0"/>
-              <a:t>Files must be opened and then closed when we're done</a:t>
-            </a:r>
-          </a:p>
-          <a:p>
+              <a:t>Files must be </a:t>
+            </a:r>
+            <a:r>
+              <a:rPr lang="en-US" i="1" dirty="0"/>
+              <a:t>opened</a:t>
+            </a:r>
             <a:r>
               <a:rPr lang="en-US" dirty="0"/>
-              <a:t>Files are opened for reading or for writing</a:t>
-            </a:r>
-          </a:p>
-          <a:p>
+              <a:t> and then </a:t>
+            </a:r>
+            <a:r>
+              <a:rPr lang="en-US" i="1" dirty="0"/>
+              <a:t>closed</a:t>
+            </a:r>
             <a:r>
               <a:rPr lang="en-US" dirty="0"/>
-              <a:t>Files are opened with a mode: text or binary</a:t>
+              <a:t> when we're done</a:t>
+            </a:r>
+          </a:p>
+          <a:p>
+            <a:r>
+              <a:rPr lang="en-US" dirty="0"/>
+              <a:t>Files are opened for </a:t>
+            </a:r>
+            <a:r>
+              <a:rPr lang="en-US" i="1" dirty="0"/>
+              <a:t>reading</a:t>
+            </a:r>
+            <a:r>
+              <a:rPr lang="en-US" dirty="0"/>
+              <a:t> or for </a:t>
+            </a:r>
+            <a:r>
+              <a:rPr lang="en-US" i="1" dirty="0"/>
+              <a:t>writing </a:t>
+            </a:r>
+            <a:r>
+              <a:rPr lang="en-US" dirty="0"/>
+              <a:t>(or </a:t>
+            </a:r>
+            <a:r>
+              <a:rPr lang="en-US" i="1" dirty="0"/>
+              <a:t>appending</a:t>
+            </a:r>
+            <a:r>
+              <a:rPr lang="en-US" dirty="0"/>
+              <a:t>)</a:t>
+            </a:r>
+          </a:p>
+          <a:p>
+            <a:r>
+              <a:rPr lang="en-US" dirty="0"/>
+              <a:t>Files are opened with a </a:t>
+            </a:r>
+            <a:r>
+              <a:rPr lang="en-US" i="1" dirty="0"/>
+              <a:t>mode</a:t>
+            </a:r>
+            <a:r>
+              <a:rPr lang="en-US" dirty="0"/>
+              <a:t>: text or binary</a:t>
             </a:r>
           </a:p>
           <a:p>
@@ -4719,19 +4932,19 @@
           <a:p>
             <a:r>
               <a:rPr lang="en-US" dirty="0"/>
-              <a:t>The path can be fully qualified or relative to the current working directory</a:t>
+              <a:t>A path (specifying a directory or file) can be fully-qualified (absolute) or relative to the current working directory</a:t>
             </a:r>
           </a:p>
           <a:p>
             <a:r>
               <a:rPr lang="en-US" dirty="0"/>
-              <a:t>The file descriptor object is not the filename and is also not the file contents itself on the disk. It's really just a descriptor that lets our program refer to and operate on the file</a:t>
+              <a:t>A file descriptor object is not the filename and is also not the file contents itself on the disk. It's really just a descriptor that lets a program refer to and operate on the file</a:t>
             </a:r>
           </a:p>
           <a:p>
             <a:r>
               <a:rPr lang="en-US" dirty="0"/>
-              <a:t>The contents of the file is different than the filename and the file (descriptor) object that Python gives us</a:t>
+              <a:t>The content of the file is different than the filename and the file (descriptor) object that Python gives us when we open it</a:t>
             </a:r>
           </a:p>
           <a:p>
@@ -5268,7 +5481,7 @@
           <p:cNvPr id="2" name="Title 1">
             <a:extLst>
               <a:ext uri="{FF2B5EF4-FFF2-40B4-BE49-F238E27FC236}">
-                <a16:creationId xmlns:a16="http://schemas.microsoft.com/office/drawing/2014/main" id="{97F38A77-3237-1143-B145-D6565167FEC0}"/>
+                <a16:creationId xmlns:a16="http://schemas.microsoft.com/office/drawing/2014/main" id="{0678CFC9-2394-E745-B5B8-06320645E859}"/>
               </a:ext>
             </a:extLst>
           </p:cNvPr>
@@ -5277,12 +5490,40 @@
           </p:cNvSpPr>
           <p:nvPr>
             <p:ph type="title"/>
+          </p:nvPr>
+        </p:nvSpPr>
+        <p:spPr/>
+        <p:txBody>
+          <a:bodyPr/>
+          <a:lstStyle/>
+          <a:p>
+            <a:r>
+              <a:rPr lang="en-US" dirty="0"/>
+              <a:t>Processing files line by line</a:t>
+            </a:r>
+          </a:p>
+        </p:txBody>
+      </p:sp>
+      <p:sp>
+        <p:nvSpPr>
+          <p:cNvPr id="3" name="Content Placeholder 2">
+            <a:extLst>
+              <a:ext uri="{FF2B5EF4-FFF2-40B4-BE49-F238E27FC236}">
+                <a16:creationId xmlns:a16="http://schemas.microsoft.com/office/drawing/2014/main" id="{1D0B7302-AC91-1D4F-918D-E38FBDF1A0F7}"/>
+              </a:ext>
+            </a:extLst>
+          </p:cNvPr>
+          <p:cNvSpPr>
+            <a:spLocks noGrp="1"/>
+          </p:cNvSpPr>
+          <p:nvPr>
+            <p:ph idx="1"/>
           </p:nvPr>
         </p:nvSpPr>
         <p:spPr>
           <a:xfrm>
-            <a:off x="838200" y="365125"/>
-            <a:ext cx="10515600" cy="947565"/>
+            <a:off x="838199" y="1825625"/>
+            <a:ext cx="10969488" cy="4351338"/>
           </a:xfrm>
         </p:spPr>
         <p:txBody>
@@ -5291,50 +5532,29 @@
           <a:p>
             <a:r>
               <a:rPr lang="en-US" dirty="0"/>
-              <a:t>Using Pandas to load CSV files</a:t>
-            </a:r>
-          </a:p>
-        </p:txBody>
-      </p:sp>
-      <p:sp>
-        <p:nvSpPr>
-          <p:cNvPr id="7" name="Content Placeholder 6">
-            <a:extLst>
-              <a:ext uri="{FF2B5EF4-FFF2-40B4-BE49-F238E27FC236}">
-                <a16:creationId xmlns:a16="http://schemas.microsoft.com/office/drawing/2014/main" id="{69AFF6C6-3862-0C4B-AC3B-46CFF230F377}"/>
-              </a:ext>
-            </a:extLst>
-          </p:cNvPr>
-          <p:cNvSpPr>
-            <a:spLocks noGrp="1"/>
-          </p:cNvSpPr>
-          <p:nvPr>
-            <p:ph idx="1"/>
-          </p:nvPr>
-        </p:nvSpPr>
-        <p:spPr>
-          <a:xfrm>
-            <a:off x="838200" y="1500809"/>
-            <a:ext cx="10515600" cy="4676154"/>
-          </a:xfrm>
-        </p:spPr>
-        <p:txBody>
-          <a:bodyPr/>
-          <a:lstStyle/>
+              <a:t>Loading everything into memory all at once doesn't work if a file is bigger than available RAM</a:t>
+            </a:r>
+          </a:p>
           <a:p>
             <a:r>
               <a:rPr lang="en-US" dirty="0"/>
-              <a:t>If the text file is a comma separated value file (CSV), the easiest way to load the data is with Pandas</a:t>
+              <a:t>That limits the size of the data we can process with that method</a:t>
+            </a:r>
+          </a:p>
+          <a:p>
+            <a:r>
+              <a:rPr lang="en-US" dirty="0"/>
+              <a:t>Instead, we can use a for-each loop iterating on the file descriptor:</a:t>
             </a:r>
           </a:p>
         </p:txBody>
       </p:sp>
       <p:pic>
         <p:nvPicPr>
-          <p:cNvPr id="8" name="Content Placeholder 4" descr="Table&#10;&#10;Description automatically generated">
-            <a:extLst>
-              <a:ext uri="{FF2B5EF4-FFF2-40B4-BE49-F238E27FC236}">
-                <a16:creationId xmlns:a16="http://schemas.microsoft.com/office/drawing/2014/main" id="{19645DCE-DE46-A14E-8E76-1CD9A7A42974}"/>
+          <p:cNvPr id="5" name="Picture 4">
+            <a:extLst>
+              <a:ext uri="{FF2B5EF4-FFF2-40B4-BE49-F238E27FC236}">
+                <a16:creationId xmlns:a16="http://schemas.microsoft.com/office/drawing/2014/main" id="{65D0767B-7AD9-6346-BD0D-02900BB76A78}"/>
               </a:ext>
             </a:extLst>
           </p:cNvPr>
@@ -5351,48 +5571,105 @@
         </p:blipFill>
         <p:spPr>
           <a:xfrm>
-            <a:off x="1124502" y="2389982"/>
-            <a:ext cx="6464300" cy="3975100"/>
+            <a:off x="2197100" y="3776663"/>
+            <a:ext cx="7797800" cy="2400300"/>
           </a:xfrm>
           <a:prstGeom prst="rect">
             <a:avLst/>
           </a:prstGeom>
         </p:spPr>
       </p:pic>
-      <p:pic>
-        <p:nvPicPr>
-          <p:cNvPr id="4" name="Picture 3">
-            <a:extLst>
-              <a:ext uri="{FF2B5EF4-FFF2-40B4-BE49-F238E27FC236}">
-                <a16:creationId xmlns:a16="http://schemas.microsoft.com/office/drawing/2014/main" id="{B88C27B3-A68E-994D-99B2-63FC587F2C9C}"/>
-              </a:ext>
-            </a:extLst>
-          </p:cNvPr>
-          <p:cNvPicPr>
-            <a:picLocks noChangeAspect="1"/>
-          </p:cNvPicPr>
+      <p:sp>
+        <p:nvSpPr>
+          <p:cNvPr id="6" name="TextBox 5">
+            <a:extLst>
+              <a:ext uri="{FF2B5EF4-FFF2-40B4-BE49-F238E27FC236}">
+                <a16:creationId xmlns:a16="http://schemas.microsoft.com/office/drawing/2014/main" id="{658E53AB-11CA-6544-8E93-88D384F860F2}"/>
+              </a:ext>
+            </a:extLst>
+          </p:cNvPr>
+          <p:cNvSpPr txBox="1"/>
           <p:nvPr/>
-        </p:nvPicPr>
-        <p:blipFill>
-          <a:blip r:embed="rId3"/>
-          <a:stretch>
-            <a:fillRect/>
-          </a:stretch>
-        </p:blipFill>
+        </p:nvSpPr>
         <p:spPr>
           <a:xfrm>
-            <a:off x="6427068" y="3824079"/>
-            <a:ext cx="5213034" cy="2005013"/>
+            <a:off x="6410739" y="5162586"/>
+            <a:ext cx="2198038" cy="369332"/>
           </a:xfrm>
           <a:prstGeom prst="rect">
             <a:avLst/>
           </a:prstGeom>
+          <a:noFill/>
         </p:spPr>
-      </p:pic>
+        <p:txBody>
+          <a:bodyPr wrap="square" rtlCol="0">
+            <a:spAutoFit/>
+          </a:bodyPr>
+          <a:lstStyle/>
+          <a:p>
+            <a:r>
+              <a:rPr lang="en-US" dirty="0"/>
+              <a:t>or use </a:t>
+            </a:r>
+            <a:r>
+              <a:rPr lang="en-US" b="1" dirty="0" err="1"/>
+              <a:t>f.readlines</a:t>
+            </a:r>
+            <a:r>
+              <a:rPr lang="en-US" b="1" dirty="0"/>
+              <a:t>()</a:t>
+            </a:r>
+          </a:p>
+        </p:txBody>
+      </p:sp>
+      <p:cxnSp>
+        <p:nvCxnSpPr>
+          <p:cNvPr id="7" name="Straight Arrow Connector 6">
+            <a:extLst>
+              <a:ext uri="{FF2B5EF4-FFF2-40B4-BE49-F238E27FC236}">
+                <a16:creationId xmlns:a16="http://schemas.microsoft.com/office/drawing/2014/main" id="{7C255D3E-2415-334E-94EB-A925FFDCB5C3}"/>
+              </a:ext>
+            </a:extLst>
+          </p:cNvPr>
+          <p:cNvCxnSpPr>
+            <a:cxnSpLocks/>
+          </p:cNvCxnSpPr>
+          <p:nvPr/>
+        </p:nvCxnSpPr>
+        <p:spPr>
+          <a:xfrm flipH="1" flipV="1">
+            <a:off x="4661453" y="4323522"/>
+            <a:ext cx="1749286" cy="1023730"/>
+          </a:xfrm>
+          <a:prstGeom prst="straightConnector1">
+            <a:avLst/>
+          </a:prstGeom>
+          <a:ln>
+            <a:solidFill>
+              <a:srgbClr val="E4754F"/>
+            </a:solidFill>
+            <a:tailEnd type="triangle"/>
+          </a:ln>
+        </p:spPr>
+        <p:style>
+          <a:lnRef idx="1">
+            <a:schemeClr val="accent1"/>
+          </a:lnRef>
+          <a:fillRef idx="0">
+            <a:schemeClr val="accent1"/>
+          </a:fillRef>
+          <a:effectRef idx="0">
+            <a:schemeClr val="accent1"/>
+          </a:effectRef>
+          <a:fontRef idx="minor">
+            <a:schemeClr val="tx1"/>
+          </a:fontRef>
+        </p:style>
+      </p:cxnSp>
     </p:spTree>
     <p:extLst>
       <p:ext uri="{BB962C8B-B14F-4D97-AF65-F5344CB8AC3E}">
-        <p14:creationId xmlns:p14="http://schemas.microsoft.com/office/powerpoint/2010/main" val="1607665158"/>
+        <p14:creationId xmlns:p14="http://schemas.microsoft.com/office/powerpoint/2010/main" val="1212234166"/>
       </p:ext>
     </p:extLst>
   </p:cSld>
@@ -5424,7 +5701,7 @@
           <p:cNvPr id="2" name="Title 1">
             <a:extLst>
               <a:ext uri="{FF2B5EF4-FFF2-40B4-BE49-F238E27FC236}">
-                <a16:creationId xmlns:a16="http://schemas.microsoft.com/office/drawing/2014/main" id="{0678CFC9-2394-E745-B5B8-06320645E859}"/>
+                <a16:creationId xmlns:a16="http://schemas.microsoft.com/office/drawing/2014/main" id="{D5E91AA7-2009-F74C-95E3-803F629CC49B}"/>
               </a:ext>
             </a:extLst>
           </p:cNvPr>
@@ -5433,40 +5710,12 @@
           </p:cNvSpPr>
           <p:nvPr>
             <p:ph type="title"/>
-          </p:nvPr>
-        </p:nvSpPr>
-        <p:spPr/>
-        <p:txBody>
-          <a:bodyPr/>
-          <a:lstStyle/>
-          <a:p>
-            <a:r>
-              <a:rPr lang="en-US" dirty="0"/>
-              <a:t>Processing files line by line</a:t>
-            </a:r>
-          </a:p>
-        </p:txBody>
-      </p:sp>
-      <p:sp>
-        <p:nvSpPr>
-          <p:cNvPr id="3" name="Content Placeholder 2">
-            <a:extLst>
-              <a:ext uri="{FF2B5EF4-FFF2-40B4-BE49-F238E27FC236}">
-                <a16:creationId xmlns:a16="http://schemas.microsoft.com/office/drawing/2014/main" id="{1D0B7302-AC91-1D4F-918D-E38FBDF1A0F7}"/>
-              </a:ext>
-            </a:extLst>
-          </p:cNvPr>
-          <p:cNvSpPr>
-            <a:spLocks noGrp="1"/>
-          </p:cNvSpPr>
-          <p:nvPr>
-            <p:ph idx="1"/>
           </p:nvPr>
         </p:nvSpPr>
         <p:spPr>
           <a:xfrm>
-            <a:off x="838199" y="1825625"/>
-            <a:ext cx="10969488" cy="4351338"/>
+            <a:off x="838200" y="365125"/>
+            <a:ext cx="10515600" cy="976659"/>
           </a:xfrm>
         </p:spPr>
         <p:txBody>
@@ -5475,29 +5724,17 @@
           <a:p>
             <a:r>
               <a:rPr lang="en-US" dirty="0"/>
-              <a:t>Loading everything into memory all at once doesn't work if a file is bigger than available RAM</a:t>
-            </a:r>
-          </a:p>
-          <a:p>
-            <a:r>
-              <a:rPr lang="en-US" dirty="0"/>
-              <a:t>That limits the size of the data we can process with that method</a:t>
-            </a:r>
-          </a:p>
-          <a:p>
-            <a:r>
-              <a:rPr lang="en-US" dirty="0"/>
-              <a:t>Instead, we can use a for-each loop iterating on the file descriptor:</a:t>
+              <a:t>Process a file char-by-char</a:t>
             </a:r>
           </a:p>
         </p:txBody>
       </p:sp>
       <p:pic>
         <p:nvPicPr>
-          <p:cNvPr id="5" name="Picture 4">
-            <a:extLst>
-              <a:ext uri="{FF2B5EF4-FFF2-40B4-BE49-F238E27FC236}">
-                <a16:creationId xmlns:a16="http://schemas.microsoft.com/office/drawing/2014/main" id="{65D0767B-7AD9-6346-BD0D-02900BB76A78}"/>
+          <p:cNvPr id="20" name="Picture 19">
+            <a:extLst>
+              <a:ext uri="{FF2B5EF4-FFF2-40B4-BE49-F238E27FC236}">
+                <a16:creationId xmlns:a16="http://schemas.microsoft.com/office/drawing/2014/main" id="{CEA3CC55-94CC-3743-B79E-BD213767FB08}"/>
               </a:ext>
             </a:extLst>
           </p:cNvPr>
@@ -5514,18 +5751,97 @@
         </p:blipFill>
         <p:spPr>
           <a:xfrm>
-            <a:off x="2197100" y="3776663"/>
-            <a:ext cx="7797800" cy="2400300"/>
+            <a:off x="838200" y="1341784"/>
+            <a:ext cx="6350000" cy="4241800"/>
           </a:xfrm>
           <a:prstGeom prst="rect">
             <a:avLst/>
           </a:prstGeom>
         </p:spPr>
       </p:pic>
+      <p:pic>
+        <p:nvPicPr>
+          <p:cNvPr id="22" name="Picture 21">
+            <a:extLst>
+              <a:ext uri="{FF2B5EF4-FFF2-40B4-BE49-F238E27FC236}">
+                <a16:creationId xmlns:a16="http://schemas.microsoft.com/office/drawing/2014/main" id="{7A037C4C-7BC5-3F4B-AD27-422C9D02BBE6}"/>
+              </a:ext>
+            </a:extLst>
+          </p:cNvPr>
+          <p:cNvPicPr>
+            <a:picLocks noChangeAspect="1"/>
+          </p:cNvPicPr>
+          <p:nvPr/>
+        </p:nvPicPr>
+        <p:blipFill>
+          <a:blip r:embed="rId3"/>
+          <a:stretch>
+            <a:fillRect/>
+          </a:stretch>
+        </p:blipFill>
+        <p:spPr>
+          <a:xfrm>
+            <a:off x="5286593" y="4253948"/>
+            <a:ext cx="6375400" cy="1651000"/>
+          </a:xfrm>
+          <a:prstGeom prst="rect">
+            <a:avLst/>
+          </a:prstGeom>
+        </p:spPr>
+      </p:pic>
+      <p:sp>
+        <p:nvSpPr>
+          <p:cNvPr id="23" name="TextBox 22">
+            <a:extLst>
+              <a:ext uri="{FF2B5EF4-FFF2-40B4-BE49-F238E27FC236}">
+                <a16:creationId xmlns:a16="http://schemas.microsoft.com/office/drawing/2014/main" id="{440809C4-41E9-FC4A-9E5A-BCBC1D28943D}"/>
+              </a:ext>
+            </a:extLst>
+          </p:cNvPr>
+          <p:cNvSpPr txBox="1"/>
+          <p:nvPr/>
+        </p:nvSpPr>
+        <p:spPr>
+          <a:xfrm>
+            <a:off x="5187203" y="3462684"/>
+            <a:ext cx="5646450" cy="830997"/>
+          </a:xfrm>
+          <a:prstGeom prst="rect">
+            <a:avLst/>
+          </a:prstGeom>
+          <a:noFill/>
+        </p:spPr>
+        <p:txBody>
+          <a:bodyPr wrap="square" rtlCol="0">
+            <a:spAutoFit/>
+          </a:bodyPr>
+          <a:lstStyle/>
+          <a:p>
+            <a:r>
+              <a:rPr lang="en-US" sz="2400" dirty="0"/>
+              <a:t>Or, read 1 char at a time in a while loop</a:t>
+            </a:r>
+          </a:p>
+          <a:p>
+            <a:r>
+              <a:rPr lang="en-US" sz="2400" dirty="0"/>
+              <a:t>(read() gives empty string at </a:t>
+            </a:r>
+            <a:r>
+              <a:rPr lang="en-US" sz="2400" i="1" dirty="0"/>
+              <a:t>EOF</a:t>
+            </a:r>
+            <a:r>
+              <a:rPr lang="en-US" sz="2400" dirty="0"/>
+              <a:t>)</a:t>
+            </a:r>
+          </a:p>
+        </p:txBody>
+      </p:sp>
     </p:spTree>
     <p:extLst>
       <p:ext uri="{BB962C8B-B14F-4D97-AF65-F5344CB8AC3E}">
-        <p14:creationId xmlns:p14="http://schemas.microsoft.com/office/powerpoint/2010/main" val="1212234166"/>
+        <p14:creationId xmlns:p14="http://schemas.microsoft.com/office/powerpoint/2010/main" val="3148628567"/>
       </p:ext>
     </p:extLst>
   </p:cSld>

--- a/slides/files.pptx
+++ b/slides/files.pptx
@@ -5,10 +5,10 @@
     <p:sldMasterId id="2147483672" r:id="rId1"/>
   </p:sldMasterIdLst>
   <p:notesMasterIdLst>
-    <p:notesMasterId r:id="rId13"/>
+    <p:notesMasterId r:id="rId14"/>
   </p:notesMasterIdLst>
   <p:handoutMasterIdLst>
-    <p:handoutMasterId r:id="rId14"/>
+    <p:handoutMasterId r:id="rId15"/>
   </p:handoutMasterIdLst>
   <p:sldIdLst>
     <p:sldId id="256" r:id="rId2"/>
@@ -22,6 +22,7 @@
     <p:sldId id="266" r:id="rId10"/>
     <p:sldId id="263" r:id="rId11"/>
     <p:sldId id="265" r:id="rId12"/>
+    <p:sldId id="267" r:id="rId13"/>
   </p:sldIdLst>
   <p:sldSz cx="12192000" cy="6858000"/>
   <p:notesSz cx="9144000" cy="6858000"/>
@@ -216,7 +217,7 @@
           <a:p>
             <a:fld id="{8A1B613A-EFF1-404F-BEE8-EFAE84A4E5E2}" type="datetimeFigureOut">
               <a:rPr lang="en-US" smtClean="0"/>
-              <a:t>7/25/21</a:t>
+              <a:t>7/27/21</a:t>
             </a:fld>
             <a:endParaRPr lang="en-US"/>
           </a:p>
@@ -381,7 +382,7 @@
           <a:p>
             <a:fld id="{690847EA-AC25-3D4E-89E1-FD3F6A9702B6}" type="datetimeFigureOut">
               <a:rPr lang="en-US" smtClean="0"/>
-              <a:t>7/25/21</a:t>
+              <a:t>7/27/21</a:t>
             </a:fld>
             <a:endParaRPr lang="en-US"/>
           </a:p>
@@ -795,7 +796,7 @@
           <a:p>
             <a:fld id="{BE5295ED-3BAF-1140-8495-3D368771D6B1}" type="datetimeFigureOut">
               <a:rPr lang="en-US" smtClean="0"/>
-              <a:t>7/25/21</a:t>
+              <a:t>7/27/21</a:t>
             </a:fld>
             <a:endParaRPr lang="en-US"/>
           </a:p>
@@ -993,7 +994,7 @@
           <a:p>
             <a:fld id="{BE5295ED-3BAF-1140-8495-3D368771D6B1}" type="datetimeFigureOut">
               <a:rPr lang="en-US" smtClean="0"/>
-              <a:t>7/25/21</a:t>
+              <a:t>7/27/21</a:t>
             </a:fld>
             <a:endParaRPr lang="en-US"/>
           </a:p>
@@ -1201,7 +1202,7 @@
           <a:p>
             <a:fld id="{BE5295ED-3BAF-1140-8495-3D368771D6B1}" type="datetimeFigureOut">
               <a:rPr lang="en-US" smtClean="0"/>
-              <a:t>7/25/21</a:t>
+              <a:t>7/27/21</a:t>
             </a:fld>
             <a:endParaRPr lang="en-US"/>
           </a:p>
@@ -1399,7 +1400,7 @@
           <a:p>
             <a:fld id="{BE5295ED-3BAF-1140-8495-3D368771D6B1}" type="datetimeFigureOut">
               <a:rPr lang="en-US" smtClean="0"/>
-              <a:t>7/25/21</a:t>
+              <a:t>7/27/21</a:t>
             </a:fld>
             <a:endParaRPr lang="en-US"/>
           </a:p>
@@ -1674,7 +1675,7 @@
           <a:p>
             <a:fld id="{BE5295ED-3BAF-1140-8495-3D368771D6B1}" type="datetimeFigureOut">
               <a:rPr lang="en-US" smtClean="0"/>
-              <a:t>7/25/21</a:t>
+              <a:t>7/27/21</a:t>
             </a:fld>
             <a:endParaRPr lang="en-US"/>
           </a:p>
@@ -1939,7 +1940,7 @@
           <a:p>
             <a:fld id="{BE5295ED-3BAF-1140-8495-3D368771D6B1}" type="datetimeFigureOut">
               <a:rPr lang="en-US" smtClean="0"/>
-              <a:t>7/25/21</a:t>
+              <a:t>7/27/21</a:t>
             </a:fld>
             <a:endParaRPr lang="en-US"/>
           </a:p>
@@ -2351,7 +2352,7 @@
           <a:p>
             <a:fld id="{BE5295ED-3BAF-1140-8495-3D368771D6B1}" type="datetimeFigureOut">
               <a:rPr lang="en-US" smtClean="0"/>
-              <a:t>7/25/21</a:t>
+              <a:t>7/27/21</a:t>
             </a:fld>
             <a:endParaRPr lang="en-US"/>
           </a:p>
@@ -2492,7 +2493,7 @@
           <a:p>
             <a:fld id="{BE5295ED-3BAF-1140-8495-3D368771D6B1}" type="datetimeFigureOut">
               <a:rPr lang="en-US" smtClean="0"/>
-              <a:t>7/25/21</a:t>
+              <a:t>7/27/21</a:t>
             </a:fld>
             <a:endParaRPr lang="en-US"/>
           </a:p>
@@ -2605,7 +2606,7 @@
           <a:p>
             <a:fld id="{BE5295ED-3BAF-1140-8495-3D368771D6B1}" type="datetimeFigureOut">
               <a:rPr lang="en-US" smtClean="0"/>
-              <a:t>7/25/21</a:t>
+              <a:t>7/27/21</a:t>
             </a:fld>
             <a:endParaRPr lang="en-US"/>
           </a:p>
@@ -2916,7 +2917,7 @@
           <a:p>
             <a:fld id="{BE5295ED-3BAF-1140-8495-3D368771D6B1}" type="datetimeFigureOut">
               <a:rPr lang="en-US" smtClean="0"/>
-              <a:t>7/25/21</a:t>
+              <a:t>7/27/21</a:t>
             </a:fld>
             <a:endParaRPr lang="en-US"/>
           </a:p>
@@ -3207,7 +3208,7 @@
           <a:p>
             <a:fld id="{BE5295ED-3BAF-1140-8495-3D368771D6B1}" type="datetimeFigureOut">
               <a:rPr lang="en-US" smtClean="0"/>
-              <a:t>7/25/21</a:t>
+              <a:t>7/27/21</a:t>
             </a:fld>
             <a:endParaRPr lang="en-US"/>
           </a:p>
@@ -3448,7 +3449,7 @@
           <a:p>
             <a:fld id="{BE5295ED-3BAF-1140-8495-3D368771D6B1}" type="datetimeFigureOut">
               <a:rPr lang="en-US" smtClean="0"/>
-              <a:t>7/25/21</a:t>
+              <a:t>7/27/21</a:t>
             </a:fld>
             <a:endParaRPr lang="en-US"/>
           </a:p>
@@ -4473,6 +4474,89 @@
     <p:extLst>
       <p:ext uri="{BB962C8B-B14F-4D97-AF65-F5344CB8AC3E}">
         <p14:creationId xmlns:p14="http://schemas.microsoft.com/office/powerpoint/2010/main" val="1842340456"/>
+      </p:ext>
+    </p:extLst>
+  </p:cSld>
+  <p:clrMapOvr>
+    <a:masterClrMapping/>
+  </p:clrMapOvr>
+</p:sld>
+</file>
+
+<file path=ppt/slides/slide12.xml><?xml version="1.0" encoding="utf-8"?>
+<p:sld xmlns:a="http://schemas.openxmlformats.org/drawingml/2006/main" xmlns:r="http://schemas.openxmlformats.org/officeDocument/2006/relationships" xmlns:p="http://schemas.openxmlformats.org/presentationml/2006/main">
+  <p:cSld>
+    <p:spTree>
+      <p:nvGrpSpPr>
+        <p:cNvPr id="1" name=""/>
+        <p:cNvGrpSpPr/>
+        <p:nvPr/>
+      </p:nvGrpSpPr>
+      <p:grpSpPr>
+        <a:xfrm>
+          <a:off x="0" y="0"/>
+          <a:ext cx="0" cy="0"/>
+          <a:chOff x="0" y="0"/>
+          <a:chExt cx="0" cy="0"/>
+        </a:xfrm>
+      </p:grpSpPr>
+      <p:sp>
+        <p:nvSpPr>
+          <p:cNvPr id="2" name="Title 1">
+            <a:extLst>
+              <a:ext uri="{FF2B5EF4-FFF2-40B4-BE49-F238E27FC236}">
+                <a16:creationId xmlns:a16="http://schemas.microsoft.com/office/drawing/2014/main" id="{21EC86ED-D2E3-5C46-9D8D-C6A6DFA4C465}"/>
+              </a:ext>
+            </a:extLst>
+          </p:cNvPr>
+          <p:cNvSpPr>
+            <a:spLocks noGrp="1"/>
+          </p:cNvSpPr>
+          <p:nvPr>
+            <p:ph type="title"/>
+          </p:nvPr>
+        </p:nvSpPr>
+        <p:spPr/>
+        <p:txBody>
+          <a:bodyPr/>
+          <a:lstStyle/>
+          <a:p>
+            <a:r>
+              <a:rPr lang="en-US" dirty="0"/>
+              <a:t>We’ll study more about text formats and binary formats in data acquisition (MSDS692)</a:t>
+            </a:r>
+          </a:p>
+        </p:txBody>
+      </p:sp>
+      <p:sp>
+        <p:nvSpPr>
+          <p:cNvPr id="3" name="Text Placeholder 2">
+            <a:extLst>
+              <a:ext uri="{FF2B5EF4-FFF2-40B4-BE49-F238E27FC236}">
+                <a16:creationId xmlns:a16="http://schemas.microsoft.com/office/drawing/2014/main" id="{0B2EA4BF-5BA1-524F-84D7-16F75A112B8C}"/>
+              </a:ext>
+            </a:extLst>
+          </p:cNvPr>
+          <p:cNvSpPr>
+            <a:spLocks noGrp="1"/>
+          </p:cNvSpPr>
+          <p:nvPr>
+            <p:ph type="body" idx="1"/>
+          </p:nvPr>
+        </p:nvSpPr>
+        <p:spPr/>
+        <p:txBody>
+          <a:bodyPr/>
+          <a:lstStyle/>
+          <a:p>
+            <a:endParaRPr lang="en-US"/>
+          </a:p>
+        </p:txBody>
+      </p:sp>
+    </p:spTree>
+    <p:extLst>
+      <p:ext uri="{BB962C8B-B14F-4D97-AF65-F5344CB8AC3E}">
+        <p14:creationId xmlns:p14="http://schemas.microsoft.com/office/powerpoint/2010/main" val="2516342457"/>
       </p:ext>
     </p:extLst>
   </p:cSld>

--- a/slides/files.pptx
+++ b/slides/files.pptx
@@ -217,7 +217,7 @@
           <a:p>
             <a:fld id="{8A1B613A-EFF1-404F-BEE8-EFAE84A4E5E2}" type="datetimeFigureOut">
               <a:rPr lang="en-US" smtClean="0"/>
-              <a:t>7/27/21</a:t>
+              <a:t>7/28/21</a:t>
             </a:fld>
             <a:endParaRPr lang="en-US"/>
           </a:p>
@@ -382,7 +382,7 @@
           <a:p>
             <a:fld id="{690847EA-AC25-3D4E-89E1-FD3F6A9702B6}" type="datetimeFigureOut">
               <a:rPr lang="en-US" smtClean="0"/>
-              <a:t>7/27/21</a:t>
+              <a:t>7/28/21</a:t>
             </a:fld>
             <a:endParaRPr lang="en-US"/>
           </a:p>
@@ -796,7 +796,7 @@
           <a:p>
             <a:fld id="{BE5295ED-3BAF-1140-8495-3D368771D6B1}" type="datetimeFigureOut">
               <a:rPr lang="en-US" smtClean="0"/>
-              <a:t>7/27/21</a:t>
+              <a:t>7/28/21</a:t>
             </a:fld>
             <a:endParaRPr lang="en-US"/>
           </a:p>
@@ -994,7 +994,7 @@
           <a:p>
             <a:fld id="{BE5295ED-3BAF-1140-8495-3D368771D6B1}" type="datetimeFigureOut">
               <a:rPr lang="en-US" smtClean="0"/>
-              <a:t>7/27/21</a:t>
+              <a:t>7/28/21</a:t>
             </a:fld>
             <a:endParaRPr lang="en-US"/>
           </a:p>
@@ -1202,7 +1202,7 @@
           <a:p>
             <a:fld id="{BE5295ED-3BAF-1140-8495-3D368771D6B1}" type="datetimeFigureOut">
               <a:rPr lang="en-US" smtClean="0"/>
-              <a:t>7/27/21</a:t>
+              <a:t>7/28/21</a:t>
             </a:fld>
             <a:endParaRPr lang="en-US"/>
           </a:p>
@@ -1400,7 +1400,7 @@
           <a:p>
             <a:fld id="{BE5295ED-3BAF-1140-8495-3D368771D6B1}" type="datetimeFigureOut">
               <a:rPr lang="en-US" smtClean="0"/>
-              <a:t>7/27/21</a:t>
+              <a:t>7/28/21</a:t>
             </a:fld>
             <a:endParaRPr lang="en-US"/>
           </a:p>
@@ -1675,7 +1675,7 @@
           <a:p>
             <a:fld id="{BE5295ED-3BAF-1140-8495-3D368771D6B1}" type="datetimeFigureOut">
               <a:rPr lang="en-US" smtClean="0"/>
-              <a:t>7/27/21</a:t>
+              <a:t>7/28/21</a:t>
             </a:fld>
             <a:endParaRPr lang="en-US"/>
           </a:p>
@@ -1940,7 +1940,7 @@
           <a:p>
             <a:fld id="{BE5295ED-3BAF-1140-8495-3D368771D6B1}" type="datetimeFigureOut">
               <a:rPr lang="en-US" smtClean="0"/>
-              <a:t>7/27/21</a:t>
+              <a:t>7/28/21</a:t>
             </a:fld>
             <a:endParaRPr lang="en-US"/>
           </a:p>
@@ -2352,7 +2352,7 @@
           <a:p>
             <a:fld id="{BE5295ED-3BAF-1140-8495-3D368771D6B1}" type="datetimeFigureOut">
               <a:rPr lang="en-US" smtClean="0"/>
-              <a:t>7/27/21</a:t>
+              <a:t>7/28/21</a:t>
             </a:fld>
             <a:endParaRPr lang="en-US"/>
           </a:p>
@@ -2493,7 +2493,7 @@
           <a:p>
             <a:fld id="{BE5295ED-3BAF-1140-8495-3D368771D6B1}" type="datetimeFigureOut">
               <a:rPr lang="en-US" smtClean="0"/>
-              <a:t>7/27/21</a:t>
+              <a:t>7/28/21</a:t>
             </a:fld>
             <a:endParaRPr lang="en-US"/>
           </a:p>
@@ -2606,7 +2606,7 @@
           <a:p>
             <a:fld id="{BE5295ED-3BAF-1140-8495-3D368771D6B1}" type="datetimeFigureOut">
               <a:rPr lang="en-US" smtClean="0"/>
-              <a:t>7/27/21</a:t>
+              <a:t>7/28/21</a:t>
             </a:fld>
             <a:endParaRPr lang="en-US"/>
           </a:p>
@@ -2917,7 +2917,7 @@
           <a:p>
             <a:fld id="{BE5295ED-3BAF-1140-8495-3D368771D6B1}" type="datetimeFigureOut">
               <a:rPr lang="en-US" smtClean="0"/>
-              <a:t>7/27/21</a:t>
+              <a:t>7/28/21</a:t>
             </a:fld>
             <a:endParaRPr lang="en-US"/>
           </a:p>
@@ -3208,7 +3208,7 @@
           <a:p>
             <a:fld id="{BE5295ED-3BAF-1140-8495-3D368771D6B1}" type="datetimeFigureOut">
               <a:rPr lang="en-US" smtClean="0"/>
-              <a:t>7/27/21</a:t>
+              <a:t>7/28/21</a:t>
             </a:fld>
             <a:endParaRPr lang="en-US"/>
           </a:p>
@@ -3449,7 +3449,7 @@
           <a:p>
             <a:fld id="{BE5295ED-3BAF-1140-8495-3D368771D6B1}" type="datetimeFigureOut">
               <a:rPr lang="en-US" smtClean="0"/>
-              <a:t>7/27/21</a:t>
+              <a:t>7/28/21</a:t>
             </a:fld>
             <a:endParaRPr lang="en-US"/>
           </a:p>

--- a/slides/files.pptx
+++ b/slides/files.pptx
@@ -5,10 +5,10 @@
     <p:sldMasterId id="2147483672" r:id="rId1"/>
   </p:sldMasterIdLst>
   <p:notesMasterIdLst>
-    <p:notesMasterId r:id="rId14"/>
+    <p:notesMasterId r:id="rId15"/>
   </p:notesMasterIdLst>
   <p:handoutMasterIdLst>
-    <p:handoutMasterId r:id="rId15"/>
+    <p:handoutMasterId r:id="rId16"/>
   </p:handoutMasterIdLst>
   <p:sldIdLst>
     <p:sldId id="256" r:id="rId2"/>
@@ -19,10 +19,11 @@
     <p:sldId id="261" r:id="rId7"/>
     <p:sldId id="262" r:id="rId8"/>
     <p:sldId id="264" r:id="rId9"/>
-    <p:sldId id="266" r:id="rId10"/>
-    <p:sldId id="263" r:id="rId11"/>
-    <p:sldId id="265" r:id="rId12"/>
-    <p:sldId id="267" r:id="rId13"/>
+    <p:sldId id="268" r:id="rId10"/>
+    <p:sldId id="266" r:id="rId11"/>
+    <p:sldId id="263" r:id="rId12"/>
+    <p:sldId id="265" r:id="rId13"/>
+    <p:sldId id="267" r:id="rId14"/>
   </p:sldIdLst>
   <p:sldSz cx="12192000" cy="6858000"/>
   <p:notesSz cx="9144000" cy="6858000"/>
@@ -4086,6 +4087,178 @@
           <p:cNvPr id="2" name="Title 1">
             <a:extLst>
               <a:ext uri="{FF2B5EF4-FFF2-40B4-BE49-F238E27FC236}">
+                <a16:creationId xmlns:a16="http://schemas.microsoft.com/office/drawing/2014/main" id="{D5E91AA7-2009-F74C-95E3-803F629CC49B}"/>
+              </a:ext>
+            </a:extLst>
+          </p:cNvPr>
+          <p:cNvSpPr>
+            <a:spLocks noGrp="1"/>
+          </p:cNvSpPr>
+          <p:nvPr>
+            <p:ph type="title"/>
+          </p:nvPr>
+        </p:nvSpPr>
+        <p:spPr>
+          <a:xfrm>
+            <a:off x="838200" y="365125"/>
+            <a:ext cx="10515600" cy="976659"/>
+          </a:xfrm>
+        </p:spPr>
+        <p:txBody>
+          <a:bodyPr/>
+          <a:lstStyle/>
+          <a:p>
+            <a:r>
+              <a:rPr lang="en-US" dirty="0"/>
+              <a:t>Process a file char-by-char</a:t>
+            </a:r>
+          </a:p>
+        </p:txBody>
+      </p:sp>
+      <p:pic>
+        <p:nvPicPr>
+          <p:cNvPr id="20" name="Picture 19">
+            <a:extLst>
+              <a:ext uri="{FF2B5EF4-FFF2-40B4-BE49-F238E27FC236}">
+                <a16:creationId xmlns:a16="http://schemas.microsoft.com/office/drawing/2014/main" id="{CEA3CC55-94CC-3743-B79E-BD213767FB08}"/>
+              </a:ext>
+            </a:extLst>
+          </p:cNvPr>
+          <p:cNvPicPr>
+            <a:picLocks noChangeAspect="1"/>
+          </p:cNvPicPr>
+          <p:nvPr/>
+        </p:nvPicPr>
+        <p:blipFill>
+          <a:blip r:embed="rId2"/>
+          <a:stretch>
+            <a:fillRect/>
+          </a:stretch>
+        </p:blipFill>
+        <p:spPr>
+          <a:xfrm>
+            <a:off x="838200" y="1341784"/>
+            <a:ext cx="6350000" cy="4241800"/>
+          </a:xfrm>
+          <a:prstGeom prst="rect">
+            <a:avLst/>
+          </a:prstGeom>
+        </p:spPr>
+      </p:pic>
+      <p:pic>
+        <p:nvPicPr>
+          <p:cNvPr id="22" name="Picture 21">
+            <a:extLst>
+              <a:ext uri="{FF2B5EF4-FFF2-40B4-BE49-F238E27FC236}">
+                <a16:creationId xmlns:a16="http://schemas.microsoft.com/office/drawing/2014/main" id="{7A037C4C-7BC5-3F4B-AD27-422C9D02BBE6}"/>
+              </a:ext>
+            </a:extLst>
+          </p:cNvPr>
+          <p:cNvPicPr>
+            <a:picLocks noChangeAspect="1"/>
+          </p:cNvPicPr>
+          <p:nvPr/>
+        </p:nvPicPr>
+        <p:blipFill>
+          <a:blip r:embed="rId3"/>
+          <a:stretch>
+            <a:fillRect/>
+          </a:stretch>
+        </p:blipFill>
+        <p:spPr>
+          <a:xfrm>
+            <a:off x="5286593" y="4253948"/>
+            <a:ext cx="6375400" cy="1651000"/>
+          </a:xfrm>
+          <a:prstGeom prst="rect">
+            <a:avLst/>
+          </a:prstGeom>
+        </p:spPr>
+      </p:pic>
+      <p:sp>
+        <p:nvSpPr>
+          <p:cNvPr id="23" name="TextBox 22">
+            <a:extLst>
+              <a:ext uri="{FF2B5EF4-FFF2-40B4-BE49-F238E27FC236}">
+                <a16:creationId xmlns:a16="http://schemas.microsoft.com/office/drawing/2014/main" id="{440809C4-41E9-FC4A-9E5A-BCBC1D28943D}"/>
+              </a:ext>
+            </a:extLst>
+          </p:cNvPr>
+          <p:cNvSpPr txBox="1"/>
+          <p:nvPr/>
+        </p:nvSpPr>
+        <p:spPr>
+          <a:xfrm>
+            <a:off x="5187203" y="3462684"/>
+            <a:ext cx="5646450" cy="830997"/>
+          </a:xfrm>
+          <a:prstGeom prst="rect">
+            <a:avLst/>
+          </a:prstGeom>
+          <a:noFill/>
+        </p:spPr>
+        <p:txBody>
+          <a:bodyPr wrap="square" rtlCol="0">
+            <a:spAutoFit/>
+          </a:bodyPr>
+          <a:lstStyle/>
+          <a:p>
+            <a:r>
+              <a:rPr lang="en-US" sz="2400" dirty="0"/>
+              <a:t>Or, read 1 char at a time in a while loop</a:t>
+            </a:r>
+          </a:p>
+          <a:p>
+            <a:r>
+              <a:rPr lang="en-US" sz="2400" dirty="0"/>
+              <a:t>(read() gives empty string at </a:t>
+            </a:r>
+            <a:r>
+              <a:rPr lang="en-US" sz="2400" i="1" dirty="0"/>
+              <a:t>EOF</a:t>
+            </a:r>
+            <a:r>
+              <a:rPr lang="en-US" sz="2400" dirty="0"/>
+              <a:t>)</a:t>
+            </a:r>
+          </a:p>
+        </p:txBody>
+      </p:sp>
+    </p:spTree>
+    <p:extLst>
+      <p:ext uri="{BB962C8B-B14F-4D97-AF65-F5344CB8AC3E}">
+        <p14:creationId xmlns:p14="http://schemas.microsoft.com/office/powerpoint/2010/main" val="3148628567"/>
+      </p:ext>
+    </p:extLst>
+  </p:cSld>
+  <p:clrMapOvr>
+    <a:masterClrMapping/>
+  </p:clrMapOvr>
+</p:sld>
+</file>
+
+<file path=ppt/slides/slide11.xml><?xml version="1.0" encoding="utf-8"?>
+<p:sld xmlns:a="http://schemas.openxmlformats.org/drawingml/2006/main" xmlns:r="http://schemas.openxmlformats.org/officeDocument/2006/relationships" xmlns:p="http://schemas.openxmlformats.org/presentationml/2006/main">
+  <p:cSld>
+    <p:spTree>
+      <p:nvGrpSpPr>
+        <p:cNvPr id="1" name=""/>
+        <p:cNvGrpSpPr/>
+        <p:nvPr/>
+      </p:nvGrpSpPr>
+      <p:grpSpPr>
+        <a:xfrm>
+          <a:off x="0" y="0"/>
+          <a:ext cx="0" cy="0"/>
+          <a:chOff x="0" y="0"/>
+          <a:chExt cx="0" cy="0"/>
+        </a:xfrm>
+      </p:grpSpPr>
+      <p:sp>
+        <p:nvSpPr>
+          <p:cNvPr id="2" name="Title 1">
+            <a:extLst>
+              <a:ext uri="{FF2B5EF4-FFF2-40B4-BE49-F238E27FC236}">
                 <a16:creationId xmlns:a16="http://schemas.microsoft.com/office/drawing/2014/main" id="{97F38A77-3237-1143-B145-D6565167FEC0}"/>
               </a:ext>
             </a:extLst>
@@ -4220,7 +4393,7 @@
 </p:sld>
 </file>
 
-<file path=ppt/slides/slide11.xml><?xml version="1.0" encoding="utf-8"?>
+<file path=ppt/slides/slide12.xml><?xml version="1.0" encoding="utf-8"?>
 <p:sld xmlns:a="http://schemas.openxmlformats.org/drawingml/2006/main" xmlns:r="http://schemas.openxmlformats.org/officeDocument/2006/relationships" xmlns:p="http://schemas.openxmlformats.org/presentationml/2006/main">
   <p:cSld>
     <p:spTree>
@@ -4483,7 +4656,7 @@
 </p:sld>
 </file>
 
-<file path=ppt/slides/slide12.xml><?xml version="1.0" encoding="utf-8"?>
+<file path=ppt/slides/slide13.xml><?xml version="1.0" encoding="utf-8"?>
 <p:sld xmlns:a="http://schemas.openxmlformats.org/drawingml/2006/main" xmlns:r="http://schemas.openxmlformats.org/officeDocument/2006/relationships" xmlns:p="http://schemas.openxmlformats.org/presentationml/2006/main">
   <p:cSld>
     <p:spTree>
@@ -5442,10 +5615,10 @@
       </p:sp>
       <p:pic>
         <p:nvPicPr>
-          <p:cNvPr id="4" name="Picture 3" descr="Text&#10;&#10;Description automatically generated">
-            <a:extLst>
-              <a:ext uri="{FF2B5EF4-FFF2-40B4-BE49-F238E27FC236}">
-                <a16:creationId xmlns:a16="http://schemas.microsoft.com/office/drawing/2014/main" id="{C599CA7F-780A-904B-B12F-73D1CDAD6B3A}"/>
+          <p:cNvPr id="6" name="Picture 5" descr="Text&#10;&#10;Description automatically generated">
+            <a:extLst>
+              <a:ext uri="{FF2B5EF4-FFF2-40B4-BE49-F238E27FC236}">
+                <a16:creationId xmlns:a16="http://schemas.microsoft.com/office/drawing/2014/main" id="{5481C95F-A36C-1741-B026-39754813557F}"/>
               </a:ext>
             </a:extLst>
           </p:cNvPr>
@@ -5456,36 +5629,6 @@
         </p:nvPicPr>
         <p:blipFill>
           <a:blip r:embed="rId2"/>
-          <a:stretch>
-            <a:fillRect/>
-          </a:stretch>
-        </p:blipFill>
-        <p:spPr>
-          <a:xfrm>
-            <a:off x="1126437" y="1922015"/>
-            <a:ext cx="4889500" cy="2413000"/>
-          </a:xfrm>
-          <a:prstGeom prst="rect">
-            <a:avLst/>
-          </a:prstGeom>
-        </p:spPr>
-      </p:pic>
-      <p:pic>
-        <p:nvPicPr>
-          <p:cNvPr id="6" name="Picture 5" descr="Text&#10;&#10;Description automatically generated">
-            <a:extLst>
-              <a:ext uri="{FF2B5EF4-FFF2-40B4-BE49-F238E27FC236}">
-                <a16:creationId xmlns:a16="http://schemas.microsoft.com/office/drawing/2014/main" id="{5481C95F-A36C-1741-B026-39754813557F}"/>
-              </a:ext>
-            </a:extLst>
-          </p:cNvPr>
-          <p:cNvPicPr>
-            <a:picLocks noChangeAspect="1"/>
-          </p:cNvPicPr>
-          <p:nvPr/>
-        </p:nvPicPr>
-        <p:blipFill>
-          <a:blip r:embed="rId3"/>
           <a:stretch>
             <a:fillRect/>
           </a:stretch>
@@ -5515,7 +5658,7 @@
           <p:nvPr/>
         </p:nvPicPr>
         <p:blipFill>
-          <a:blip r:embed="rId4"/>
+          <a:blip r:embed="rId3"/>
           <a:stretch>
             <a:fillRect/>
           </a:stretch>
@@ -5524,6 +5667,36 @@
           <a:xfrm>
             <a:off x="6534426" y="1892198"/>
             <a:ext cx="4927600" cy="1701800"/>
+          </a:xfrm>
+          <a:prstGeom prst="rect">
+            <a:avLst/>
+          </a:prstGeom>
+        </p:spPr>
+      </p:pic>
+      <p:pic>
+        <p:nvPicPr>
+          <p:cNvPr id="7" name="Picture 6">
+            <a:extLst>
+              <a:ext uri="{FF2B5EF4-FFF2-40B4-BE49-F238E27FC236}">
+                <a16:creationId xmlns:a16="http://schemas.microsoft.com/office/drawing/2014/main" id="{E9071E12-43C8-7144-BCAE-448365BEC02F}"/>
+              </a:ext>
+            </a:extLst>
+          </p:cNvPr>
+          <p:cNvPicPr>
+            <a:picLocks noChangeAspect="1"/>
+          </p:cNvPicPr>
+          <p:nvPr/>
+        </p:nvPicPr>
+        <p:blipFill>
+          <a:blip r:embed="rId4"/>
+          <a:stretch>
+            <a:fillRect/>
+          </a:stretch>
+        </p:blipFill>
+        <p:spPr>
+          <a:xfrm>
+            <a:off x="1126437" y="1892198"/>
+            <a:ext cx="5151533" cy="2127807"/>
           </a:xfrm>
           <a:prstGeom prst="rect">
             <a:avLst/>
@@ -5785,7 +5958,7 @@
           <p:cNvPr id="2" name="Title 1">
             <a:extLst>
               <a:ext uri="{FF2B5EF4-FFF2-40B4-BE49-F238E27FC236}">
-                <a16:creationId xmlns:a16="http://schemas.microsoft.com/office/drawing/2014/main" id="{D5E91AA7-2009-F74C-95E3-803F629CC49B}"/>
+                <a16:creationId xmlns:a16="http://schemas.microsoft.com/office/drawing/2014/main" id="{2624FAD4-ABA1-0F4F-AD41-75DC70528101}"/>
               </a:ext>
             </a:extLst>
           </p:cNvPr>
@@ -5795,100 +5968,107 @@
           <p:nvPr>
             <p:ph type="title"/>
           </p:nvPr>
+        </p:nvSpPr>
+        <p:spPr/>
+        <p:txBody>
+          <a:bodyPr/>
+          <a:lstStyle/>
+          <a:p>
+            <a:r>
+              <a:rPr lang="en-US" dirty="0"/>
+              <a:t>Efficiency tip</a:t>
+            </a:r>
+          </a:p>
+        </p:txBody>
+      </p:sp>
+      <p:sp>
+        <p:nvSpPr>
+          <p:cNvPr id="3" name="Content Placeholder 2">
+            <a:extLst>
+              <a:ext uri="{FF2B5EF4-FFF2-40B4-BE49-F238E27FC236}">
+                <a16:creationId xmlns:a16="http://schemas.microsoft.com/office/drawing/2014/main" id="{2EF4D76D-4BE0-6947-8873-7E6F3F05D045}"/>
+              </a:ext>
+            </a:extLst>
+          </p:cNvPr>
+          <p:cNvSpPr>
+            <a:spLocks noGrp="1"/>
+          </p:cNvSpPr>
+          <p:nvPr>
+            <p:ph idx="1"/>
+          </p:nvPr>
+        </p:nvSpPr>
+        <p:spPr/>
+        <p:txBody>
+          <a:bodyPr/>
+          <a:lstStyle/>
+          <a:p>
+            <a:r>
+              <a:rPr lang="en-US" dirty="0"/>
+              <a:t>Python optimizes use of </a:t>
+            </a:r>
+            <a:r>
+              <a:rPr lang="en-US" b="1" dirty="0" err="1"/>
+              <a:t>f.readlines</a:t>
+            </a:r>
+            <a:r>
+              <a:rPr lang="en-US" b="1" dirty="0"/>
+              <a:t>()</a:t>
+            </a:r>
+            <a:r>
+              <a:rPr lang="en-US" dirty="0"/>
+              <a:t> in a loop so that it only loads one line at a time</a:t>
+            </a:r>
+          </a:p>
+          <a:p>
+            <a:r>
+              <a:rPr lang="en-US" dirty="0"/>
+              <a:t>This is very efficient:</a:t>
+            </a:r>
+          </a:p>
+          <a:p>
+            <a:endParaRPr lang="en-US" dirty="0"/>
+          </a:p>
+          <a:p>
+            <a:endParaRPr lang="en-US" dirty="0"/>
+          </a:p>
+          <a:p>
+            <a:r>
+              <a:rPr lang="en-US" dirty="0"/>
+              <a:t>But this loads all into</a:t>
+            </a:r>
+            <a:br>
+              <a:rPr lang="en-US" dirty="0"/>
+            </a:br>
+            <a:r>
+              <a:rPr lang="en-US" dirty="0"/>
+              <a:t>memory and is much</a:t>
+            </a:r>
+            <a:br>
+              <a:rPr lang="en-US" dirty="0"/>
+            </a:br>
+            <a:r>
+              <a:rPr lang="en-US" dirty="0"/>
+              <a:t>slower</a:t>
+            </a:r>
+          </a:p>
+        </p:txBody>
+      </p:sp>
+      <p:sp>
+        <p:nvSpPr>
+          <p:cNvPr id="4" name="TextBox 3">
+            <a:extLst>
+              <a:ext uri="{FF2B5EF4-FFF2-40B4-BE49-F238E27FC236}">
+                <a16:creationId xmlns:a16="http://schemas.microsoft.com/office/drawing/2014/main" id="{C633F218-1675-0A45-9AD2-78FC21BC7B89}"/>
+              </a:ext>
+            </a:extLst>
+          </p:cNvPr>
+          <p:cNvSpPr txBox="1"/>
+          <p:nvPr/>
         </p:nvSpPr>
         <p:spPr>
           <a:xfrm>
-            <a:off x="838200" y="365125"/>
-            <a:ext cx="10515600" cy="976659"/>
-          </a:xfrm>
-        </p:spPr>
-        <p:txBody>
-          <a:bodyPr/>
-          <a:lstStyle/>
-          <a:p>
-            <a:r>
-              <a:rPr lang="en-US" dirty="0"/>
-              <a:t>Process a file char-by-char</a:t>
-            </a:r>
-          </a:p>
-        </p:txBody>
-      </p:sp>
-      <p:pic>
-        <p:nvPicPr>
-          <p:cNvPr id="20" name="Picture 19">
-            <a:extLst>
-              <a:ext uri="{FF2B5EF4-FFF2-40B4-BE49-F238E27FC236}">
-                <a16:creationId xmlns:a16="http://schemas.microsoft.com/office/drawing/2014/main" id="{CEA3CC55-94CC-3743-B79E-BD213767FB08}"/>
-              </a:ext>
-            </a:extLst>
-          </p:cNvPr>
-          <p:cNvPicPr>
-            <a:picLocks noChangeAspect="1"/>
-          </p:cNvPicPr>
-          <p:nvPr/>
-        </p:nvPicPr>
-        <p:blipFill>
-          <a:blip r:embed="rId2"/>
-          <a:stretch>
-            <a:fillRect/>
-          </a:stretch>
-        </p:blipFill>
-        <p:spPr>
-          <a:xfrm>
-            <a:off x="838200" y="1341784"/>
-            <a:ext cx="6350000" cy="4241800"/>
-          </a:xfrm>
-          <a:prstGeom prst="rect">
-            <a:avLst/>
-          </a:prstGeom>
-        </p:spPr>
-      </p:pic>
-      <p:pic>
-        <p:nvPicPr>
-          <p:cNvPr id="22" name="Picture 21">
-            <a:extLst>
-              <a:ext uri="{FF2B5EF4-FFF2-40B4-BE49-F238E27FC236}">
-                <a16:creationId xmlns:a16="http://schemas.microsoft.com/office/drawing/2014/main" id="{7A037C4C-7BC5-3F4B-AD27-422C9D02BBE6}"/>
-              </a:ext>
-            </a:extLst>
-          </p:cNvPr>
-          <p:cNvPicPr>
-            <a:picLocks noChangeAspect="1"/>
-          </p:cNvPicPr>
-          <p:nvPr/>
-        </p:nvPicPr>
-        <p:blipFill>
-          <a:blip r:embed="rId3"/>
-          <a:stretch>
-            <a:fillRect/>
-          </a:stretch>
-        </p:blipFill>
-        <p:spPr>
-          <a:xfrm>
-            <a:off x="5286593" y="4253948"/>
-            <a:ext cx="6375400" cy="1651000"/>
-          </a:xfrm>
-          <a:prstGeom prst="rect">
-            <a:avLst/>
-          </a:prstGeom>
-        </p:spPr>
-      </p:pic>
-      <p:sp>
-        <p:nvSpPr>
-          <p:cNvPr id="23" name="TextBox 22">
-            <a:extLst>
-              <a:ext uri="{FF2B5EF4-FFF2-40B4-BE49-F238E27FC236}">
-                <a16:creationId xmlns:a16="http://schemas.microsoft.com/office/drawing/2014/main" id="{440809C4-41E9-FC4A-9E5A-BCBC1D28943D}"/>
-              </a:ext>
-            </a:extLst>
-          </p:cNvPr>
-          <p:cNvSpPr txBox="1"/>
-          <p:nvPr/>
-        </p:nvSpPr>
-        <p:spPr>
-          <a:xfrm>
-            <a:off x="5187203" y="3462684"/>
-            <a:ext cx="5646450" cy="830997"/>
+            <a:off x="5595583" y="2766094"/>
+            <a:ext cx="5311069" cy="954107"/>
           </a:xfrm>
           <a:prstGeom prst="rect">
             <a:avLst/>
@@ -5896,36 +6076,175 @@
           <a:noFill/>
         </p:spPr>
         <p:txBody>
-          <a:bodyPr wrap="square" rtlCol="0">
+          <a:bodyPr wrap="none" rtlCol="0">
             <a:spAutoFit/>
           </a:bodyPr>
           <a:lstStyle/>
           <a:p>
             <a:r>
-              <a:rPr lang="en-US" sz="2400" dirty="0"/>
-              <a:t>Or, read 1 char at a time in a while loop</a:t>
-            </a:r>
-          </a:p>
-          <a:p>
-            <a:r>
-              <a:rPr lang="en-US" sz="2400" dirty="0"/>
-              <a:t>(read() gives empty string at </a:t>
-            </a:r>
-            <a:r>
-              <a:rPr lang="en-US" sz="2400" i="1" dirty="0"/>
-              <a:t>EOF</a:t>
-            </a:r>
-            <a:r>
-              <a:rPr lang="en-US" sz="2400" dirty="0"/>
-              <a:t>)</a:t>
-            </a:r>
+              <a:rPr lang="en-US" sz="2800" dirty="0">
+                <a:latin typeface="Consolas" panose="020B0609020204030204" pitchFamily="49" charset="0"/>
+                <a:cs typeface="Consolas" panose="020B0609020204030204" pitchFamily="49" charset="0"/>
+              </a:rPr>
+              <a:t>for line in </a:t>
+            </a:r>
+            <a:r>
+              <a:rPr lang="en-US" sz="2800" dirty="0" err="1">
+                <a:latin typeface="Consolas" panose="020B0609020204030204" pitchFamily="49" charset="0"/>
+                <a:cs typeface="Consolas" panose="020B0609020204030204" pitchFamily="49" charset="0"/>
+              </a:rPr>
+              <a:t>f.readlines</a:t>
+            </a:r>
+            <a:r>
+              <a:rPr lang="en-US" sz="2800" dirty="0">
+                <a:latin typeface="Consolas" panose="020B0609020204030204" pitchFamily="49" charset="0"/>
+                <a:cs typeface="Consolas" panose="020B0609020204030204" pitchFamily="49" charset="0"/>
+              </a:rPr>
+              <a:t>():</a:t>
+            </a:r>
+          </a:p>
+          <a:p>
+            <a:r>
+              <a:rPr lang="en-US" sz="2800" dirty="0">
+                <a:latin typeface="Consolas" panose="020B0609020204030204" pitchFamily="49" charset="0"/>
+                <a:cs typeface="Consolas" panose="020B0609020204030204" pitchFamily="49" charset="0"/>
+              </a:rPr>
+              <a:t>    print(line)</a:t>
+            </a:r>
+          </a:p>
+        </p:txBody>
+      </p:sp>
+      <p:sp>
+        <p:nvSpPr>
+          <p:cNvPr id="5" name="TextBox 4">
+            <a:extLst>
+              <a:ext uri="{FF2B5EF4-FFF2-40B4-BE49-F238E27FC236}">
+                <a16:creationId xmlns:a16="http://schemas.microsoft.com/office/drawing/2014/main" id="{2ACF8518-4B1E-3D4A-88A6-A626C0D070C2}"/>
+              </a:ext>
+            </a:extLst>
+          </p:cNvPr>
+          <p:cNvSpPr txBox="1"/>
+          <p:nvPr/>
+        </p:nvSpPr>
+        <p:spPr>
+          <a:xfrm>
+            <a:off x="5595583" y="4187961"/>
+            <a:ext cx="5508239" cy="2246769"/>
+          </a:xfrm>
+          <a:prstGeom prst="rect">
+            <a:avLst/>
+          </a:prstGeom>
+          <a:noFill/>
+        </p:spPr>
+        <p:txBody>
+          <a:bodyPr wrap="none" rtlCol="0">
+            <a:spAutoFit/>
+          </a:bodyPr>
+          <a:lstStyle/>
+          <a:p>
+            <a:r>
+              <a:rPr lang="en-US" sz="2800" dirty="0">
+                <a:latin typeface="Consolas" panose="020B0609020204030204" pitchFamily="49" charset="0"/>
+                <a:cs typeface="Consolas" panose="020B0609020204030204" pitchFamily="49" charset="0"/>
+              </a:rPr>
+              <a:t>lines = </a:t>
+            </a:r>
+            <a:r>
+              <a:rPr lang="en-US" sz="2800" dirty="0" err="1">
+                <a:latin typeface="Consolas" panose="020B0609020204030204" pitchFamily="49" charset="0"/>
+                <a:cs typeface="Consolas" panose="020B0609020204030204" pitchFamily="49" charset="0"/>
+              </a:rPr>
+              <a:t>f.readlines</a:t>
+            </a:r>
+            <a:r>
+              <a:rPr lang="en-US" sz="2800" dirty="0">
+                <a:latin typeface="Consolas" panose="020B0609020204030204" pitchFamily="49" charset="0"/>
+                <a:cs typeface="Consolas" panose="020B0609020204030204" pitchFamily="49" charset="0"/>
+              </a:rPr>
+              <a:t>()</a:t>
+            </a:r>
+          </a:p>
+          <a:p>
+            <a:r>
+              <a:rPr lang="en-US" sz="2800" dirty="0">
+                <a:latin typeface="Consolas" panose="020B0609020204030204" pitchFamily="49" charset="0"/>
+                <a:cs typeface="Consolas" panose="020B0609020204030204" pitchFamily="49" charset="0"/>
+              </a:rPr>
+              <a:t>for </a:t>
+            </a:r>
+            <a:r>
+              <a:rPr lang="en-US" sz="2800" dirty="0" err="1">
+                <a:latin typeface="Consolas" panose="020B0609020204030204" pitchFamily="49" charset="0"/>
+                <a:cs typeface="Consolas" panose="020B0609020204030204" pitchFamily="49" charset="0"/>
+              </a:rPr>
+              <a:t>i</a:t>
+            </a:r>
+            <a:r>
+              <a:rPr lang="en-US" sz="2800" dirty="0">
+                <a:latin typeface="Consolas" panose="020B0609020204030204" pitchFamily="49" charset="0"/>
+                <a:cs typeface="Consolas" panose="020B0609020204030204" pitchFamily="49" charset="0"/>
+              </a:rPr>
+              <a:t> in range(</a:t>
+            </a:r>
+            <a:r>
+              <a:rPr lang="en-US" sz="2800" dirty="0" err="1">
+                <a:latin typeface="Consolas" panose="020B0609020204030204" pitchFamily="49" charset="0"/>
+                <a:cs typeface="Consolas" panose="020B0609020204030204" pitchFamily="49" charset="0"/>
+              </a:rPr>
+              <a:t>len</a:t>
+            </a:r>
+            <a:r>
+              <a:rPr lang="en-US" sz="2800" dirty="0">
+                <a:latin typeface="Consolas" panose="020B0609020204030204" pitchFamily="49" charset="0"/>
+                <a:cs typeface="Consolas" panose="020B0609020204030204" pitchFamily="49" charset="0"/>
+              </a:rPr>
+              <a:t>(lines)):</a:t>
+            </a:r>
+          </a:p>
+          <a:p>
+            <a:r>
+              <a:rPr lang="en-US" sz="2800" dirty="0">
+                <a:latin typeface="Consolas" panose="020B0609020204030204" pitchFamily="49" charset="0"/>
+                <a:cs typeface="Consolas" panose="020B0609020204030204" pitchFamily="49" charset="0"/>
+              </a:rPr>
+              <a:t>    line = lines[</a:t>
+            </a:r>
+            <a:r>
+              <a:rPr lang="en-US" sz="2800" dirty="0" err="1">
+                <a:latin typeface="Consolas" panose="020B0609020204030204" pitchFamily="49" charset="0"/>
+                <a:cs typeface="Consolas" panose="020B0609020204030204" pitchFamily="49" charset="0"/>
+              </a:rPr>
+              <a:t>i</a:t>
+            </a:r>
+            <a:r>
+              <a:rPr lang="en-US" sz="2800" dirty="0">
+                <a:latin typeface="Consolas" panose="020B0609020204030204" pitchFamily="49" charset="0"/>
+                <a:cs typeface="Consolas" panose="020B0609020204030204" pitchFamily="49" charset="0"/>
+              </a:rPr>
+              <a:t>]</a:t>
+            </a:r>
+          </a:p>
+          <a:p>
+            <a:r>
+              <a:rPr lang="en-US" sz="2800" dirty="0">
+                <a:latin typeface="Consolas" panose="020B0609020204030204" pitchFamily="49" charset="0"/>
+                <a:cs typeface="Consolas" panose="020B0609020204030204" pitchFamily="49" charset="0"/>
+              </a:rPr>
+              <a:t>    print(line)</a:t>
+            </a:r>
+          </a:p>
+          <a:p>
+            <a:endParaRPr lang="en-US" sz="2800" dirty="0">
+              <a:latin typeface="Consolas" panose="020B0609020204030204" pitchFamily="49" charset="0"/>
+              <a:cs typeface="Consolas" panose="020B0609020204030204" pitchFamily="49" charset="0"/>
+            </a:endParaRPr>
           </a:p>
         </p:txBody>
       </p:sp>
     </p:spTree>
     <p:extLst>
       <p:ext uri="{BB962C8B-B14F-4D97-AF65-F5344CB8AC3E}">
-        <p14:creationId xmlns:p14="http://schemas.microsoft.com/office/powerpoint/2010/main" val="3148628567"/>
+        <p14:creationId xmlns:p14="http://schemas.microsoft.com/office/powerpoint/2010/main" val="7978271"/>
       </p:ext>
     </p:extLst>
   </p:cSld>
